--- a/Defesa TCC1.pptx
+++ b/Defesa TCC1.pptx
@@ -15,14 +15,16 @@
     <p:sldId id="272" r:id="rId9"/>
     <p:sldId id="273" r:id="rId10"/>
     <p:sldId id="276" r:id="rId11"/>
-    <p:sldId id="277" r:id="rId12"/>
-    <p:sldId id="278" r:id="rId13"/>
-    <p:sldId id="279" r:id="rId14"/>
-    <p:sldId id="274" r:id="rId15"/>
-    <p:sldId id="266" r:id="rId16"/>
-    <p:sldId id="275" r:id="rId17"/>
-    <p:sldId id="270" r:id="rId18"/>
-    <p:sldId id="269" r:id="rId19"/>
+    <p:sldId id="280" r:id="rId12"/>
+    <p:sldId id="281" r:id="rId13"/>
+    <p:sldId id="277" r:id="rId14"/>
+    <p:sldId id="278" r:id="rId15"/>
+    <p:sldId id="279" r:id="rId16"/>
+    <p:sldId id="274" r:id="rId17"/>
+    <p:sldId id="266" r:id="rId18"/>
+    <p:sldId id="275" r:id="rId19"/>
+    <p:sldId id="270" r:id="rId20"/>
+    <p:sldId id="269" r:id="rId21"/>
   </p:sldIdLst>
   <p:sldSz cx="12192000" cy="6858000"/>
   <p:notesSz cx="6858000" cy="9144000"/>
@@ -260,7 +262,7 @@
           <a:p>
             <a:fld id="{B84334A0-091B-4EF6-BB99-32DD6DC99EC4}" type="datetimeFigureOut">
               <a:rPr lang="pt-BR" smtClean="0"/>
-              <a:t>07/12/2015</a:t>
+              <a:t>08/12/2015</a:t>
             </a:fld>
             <a:endParaRPr lang="pt-BR"/>
           </a:p>
@@ -430,7 +432,7 @@
           <a:p>
             <a:fld id="{B84334A0-091B-4EF6-BB99-32DD6DC99EC4}" type="datetimeFigureOut">
               <a:rPr lang="pt-BR" smtClean="0"/>
-              <a:t>07/12/2015</a:t>
+              <a:t>08/12/2015</a:t>
             </a:fld>
             <a:endParaRPr lang="pt-BR"/>
           </a:p>
@@ -610,7 +612,7 @@
           <a:p>
             <a:fld id="{B84334A0-091B-4EF6-BB99-32DD6DC99EC4}" type="datetimeFigureOut">
               <a:rPr lang="pt-BR" smtClean="0"/>
-              <a:t>07/12/2015</a:t>
+              <a:t>08/12/2015</a:t>
             </a:fld>
             <a:endParaRPr lang="pt-BR"/>
           </a:p>
@@ -780,7 +782,7 @@
           <a:p>
             <a:fld id="{B84334A0-091B-4EF6-BB99-32DD6DC99EC4}" type="datetimeFigureOut">
               <a:rPr lang="pt-BR" smtClean="0"/>
-              <a:t>07/12/2015</a:t>
+              <a:t>08/12/2015</a:t>
             </a:fld>
             <a:endParaRPr lang="pt-BR"/>
           </a:p>
@@ -1026,7 +1028,7 @@
           <a:p>
             <a:fld id="{B84334A0-091B-4EF6-BB99-32DD6DC99EC4}" type="datetimeFigureOut">
               <a:rPr lang="pt-BR" smtClean="0"/>
-              <a:t>07/12/2015</a:t>
+              <a:t>08/12/2015</a:t>
             </a:fld>
             <a:endParaRPr lang="pt-BR"/>
           </a:p>
@@ -1258,7 +1260,7 @@
           <a:p>
             <a:fld id="{B84334A0-091B-4EF6-BB99-32DD6DC99EC4}" type="datetimeFigureOut">
               <a:rPr lang="pt-BR" smtClean="0"/>
-              <a:t>07/12/2015</a:t>
+              <a:t>08/12/2015</a:t>
             </a:fld>
             <a:endParaRPr lang="pt-BR"/>
           </a:p>
@@ -1625,7 +1627,7 @@
           <a:p>
             <a:fld id="{B84334A0-091B-4EF6-BB99-32DD6DC99EC4}" type="datetimeFigureOut">
               <a:rPr lang="pt-BR" smtClean="0"/>
-              <a:t>07/12/2015</a:t>
+              <a:t>08/12/2015</a:t>
             </a:fld>
             <a:endParaRPr lang="pt-BR"/>
           </a:p>
@@ -1743,7 +1745,7 @@
           <a:p>
             <a:fld id="{B84334A0-091B-4EF6-BB99-32DD6DC99EC4}" type="datetimeFigureOut">
               <a:rPr lang="pt-BR" smtClean="0"/>
-              <a:t>07/12/2015</a:t>
+              <a:t>08/12/2015</a:t>
             </a:fld>
             <a:endParaRPr lang="pt-BR"/>
           </a:p>
@@ -1838,7 +1840,7 @@
           <a:p>
             <a:fld id="{B84334A0-091B-4EF6-BB99-32DD6DC99EC4}" type="datetimeFigureOut">
               <a:rPr lang="pt-BR" smtClean="0"/>
-              <a:t>07/12/2015</a:t>
+              <a:t>08/12/2015</a:t>
             </a:fld>
             <a:endParaRPr lang="pt-BR"/>
           </a:p>
@@ -2115,7 +2117,7 @@
           <a:p>
             <a:fld id="{B84334A0-091B-4EF6-BB99-32DD6DC99EC4}" type="datetimeFigureOut">
               <a:rPr lang="pt-BR" smtClean="0"/>
-              <a:t>07/12/2015</a:t>
+              <a:t>08/12/2015</a:t>
             </a:fld>
             <a:endParaRPr lang="pt-BR"/>
           </a:p>
@@ -2368,7 +2370,7 @@
           <a:p>
             <a:fld id="{B84334A0-091B-4EF6-BB99-32DD6DC99EC4}" type="datetimeFigureOut">
               <a:rPr lang="pt-BR" smtClean="0"/>
-              <a:t>07/12/2015</a:t>
+              <a:t>08/12/2015</a:t>
             </a:fld>
             <a:endParaRPr lang="pt-BR"/>
           </a:p>
@@ -2581,7 +2583,7 @@
           <a:p>
             <a:fld id="{B84334A0-091B-4EF6-BB99-32DD6DC99EC4}" type="datetimeFigureOut">
               <a:rPr lang="pt-BR" smtClean="0"/>
-              <a:t>07/12/2015</a:t>
+              <a:t>08/12/2015</a:t>
             </a:fld>
             <a:endParaRPr lang="pt-BR"/>
           </a:p>
@@ -3190,21 +3192,7 @@
                 <a:latin typeface="Arial" panose="020B0604020202020204" pitchFamily="34" charset="0"/>
                 <a:cs typeface="Arial" panose="020B0604020202020204" pitchFamily="34" charset="0"/>
               </a:rPr>
-              <a:t>Desenvolvimento de um sistema para </a:t>
-            </a:r>
-            <a:r>
-              <a:rPr lang="pt-BR" sz="3200" dirty="0" smtClean="0">
-                <a:latin typeface="Arial" panose="020B0604020202020204" pitchFamily="34" charset="0"/>
-                <a:cs typeface="Arial" panose="020B0604020202020204" pitchFamily="34" charset="0"/>
-              </a:rPr>
-              <a:t>reconhecimento </a:t>
-            </a:r>
-            <a:r>
-              <a:rPr lang="pt-BR" sz="3200" dirty="0" smtClean="0">
-                <a:latin typeface="Arial" panose="020B0604020202020204" pitchFamily="34" charset="0"/>
-                <a:cs typeface="Arial" panose="020B0604020202020204" pitchFamily="34" charset="0"/>
-              </a:rPr>
-              <a:t>de objetos utilizando visão computacional </a:t>
+              <a:t>Desenvolvimento de um sistema para reconhecimento de objetos utilizando visão computacional </a:t>
             </a:r>
             <a:endParaRPr lang="pt-BR" sz="3200" dirty="0">
               <a:latin typeface="Arial" panose="020B0604020202020204" pitchFamily="34" charset="0"/>
@@ -3547,7 +3535,7 @@
         </p:blipFill>
         <p:spPr>
           <a:xfrm>
-            <a:off x="3782861" y="2552386"/>
+            <a:off x="1679744" y="2552386"/>
             <a:ext cx="4458046" cy="3668851"/>
           </a:xfrm>
           <a:prstGeom prst="rect">
@@ -3555,6 +3543,61 @@
           </a:prstGeom>
         </p:spPr>
       </p:pic>
+      <p:sp>
+        <p:nvSpPr>
+          <p:cNvPr id="2" name="Retângulo 1"/>
+          <p:cNvSpPr/>
+          <p:nvPr/>
+        </p:nvSpPr>
+        <p:spPr>
+          <a:xfrm>
+            <a:off x="6772009" y="2552386"/>
+            <a:ext cx="4865809" cy="923330"/>
+          </a:xfrm>
+          <a:prstGeom prst="rect">
+            <a:avLst/>
+          </a:prstGeom>
+        </p:spPr>
+        <p:txBody>
+          <a:bodyPr wrap="square">
+            <a:spAutoFit/>
+          </a:bodyPr>
+          <a:lstStyle/>
+          <a:p>
+            <a:pPr marL="285750" indent="-285750">
+              <a:buFont typeface="Wingdings" panose="05000000000000000000" pitchFamily="2" charset="2"/>
+              <a:buChar char="§"/>
+            </a:pPr>
+            <a:r>
+              <a:rPr lang="pt-BR" dirty="0" smtClean="0"/>
+              <a:t>Expansões </a:t>
+            </a:r>
+            <a:r>
+              <a:rPr lang="pt-BR" dirty="0"/>
+              <a:t>de </a:t>
+            </a:r>
+            <a:r>
+              <a:rPr lang="pt-BR" dirty="0" smtClean="0"/>
+              <a:t>Taylor nos resultados da função </a:t>
+            </a:r>
+            <a:r>
+              <a:rPr lang="pt-BR" dirty="0" err="1" smtClean="0"/>
+              <a:t>DoG</a:t>
+            </a:r>
+            <a:r>
+              <a:rPr lang="pt-BR" dirty="0" smtClean="0"/>
+              <a:t> em cada ponto;</a:t>
+            </a:r>
+          </a:p>
+          <a:p>
+            <a:pPr marL="285750" indent="-285750">
+              <a:buFont typeface="Wingdings" panose="05000000000000000000" pitchFamily="2" charset="2"/>
+              <a:buChar char="§"/>
+            </a:pPr>
+            <a:endParaRPr lang="pt-BR" dirty="0"/>
+          </a:p>
+        </p:txBody>
+      </p:sp>
     </p:spTree>
     <p:extLst>
       <p:ext uri="{BB962C8B-B14F-4D97-AF65-F5344CB8AC3E}">
@@ -3762,7 +3805,7 @@
             </a:pPr>
             <a:r>
               <a:rPr lang="pt-BR" dirty="0" smtClean="0"/>
-              <a:t>Atribuição de orientação</a:t>
+              <a:t>Máximos e Mínimos locais</a:t>
             </a:r>
           </a:p>
           <a:p>
@@ -3779,7 +3822,7 @@
       </p:sp>
       <p:pic>
         <p:nvPicPr>
-          <p:cNvPr id="2" name="Imagem 1"/>
+          <p:cNvPr id="3" name="Imagem 2"/>
           <p:cNvPicPr>
             <a:picLocks noChangeAspect="1"/>
           </p:cNvPicPr>
@@ -3793,18 +3836,95 @@
         </p:blipFill>
         <p:spPr>
           <a:xfrm>
-            <a:off x="1856735" y="2618508"/>
-            <a:ext cx="9029933" cy="3097043"/>
+            <a:off x="1679744" y="2552386"/>
+            <a:ext cx="4458046" cy="3668851"/>
           </a:xfrm>
           <a:prstGeom prst="rect">
             <a:avLst/>
           </a:prstGeom>
         </p:spPr>
       </p:pic>
+      <p:sp>
+        <p:nvSpPr>
+          <p:cNvPr id="2" name="Retângulo 1"/>
+          <p:cNvSpPr/>
+          <p:nvPr/>
+        </p:nvSpPr>
+        <p:spPr>
+          <a:xfrm>
+            <a:off x="6772009" y="2552386"/>
+            <a:ext cx="4865809" cy="1754326"/>
+          </a:xfrm>
+          <a:prstGeom prst="rect">
+            <a:avLst/>
+          </a:prstGeom>
+        </p:spPr>
+        <p:txBody>
+          <a:bodyPr wrap="square">
+            <a:spAutoFit/>
+          </a:bodyPr>
+          <a:lstStyle/>
+          <a:p>
+            <a:pPr marL="285750" indent="-285750">
+              <a:buFont typeface="Wingdings" panose="05000000000000000000" pitchFamily="2" charset="2"/>
+              <a:buChar char="§"/>
+            </a:pPr>
+            <a:r>
+              <a:rPr lang="pt-BR" dirty="0" smtClean="0"/>
+              <a:t>Expansões </a:t>
+            </a:r>
+            <a:r>
+              <a:rPr lang="pt-BR" dirty="0"/>
+              <a:t>de Taylor nos resultados da função </a:t>
+            </a:r>
+            <a:r>
+              <a:rPr lang="pt-BR" dirty="0" err="1"/>
+              <a:t>DoG</a:t>
+            </a:r>
+            <a:r>
+              <a:rPr lang="pt-BR" dirty="0"/>
+              <a:t> em cada ponto;</a:t>
+            </a:r>
+          </a:p>
+          <a:p>
+            <a:pPr marL="285750" indent="-285750">
+              <a:buFont typeface="Wingdings" panose="05000000000000000000" pitchFamily="2" charset="2"/>
+              <a:buChar char="§"/>
+            </a:pPr>
+            <a:r>
+              <a:rPr lang="pt-BR" dirty="0" smtClean="0"/>
+              <a:t>Rejeição </a:t>
+            </a:r>
+            <a:r>
+              <a:rPr lang="pt-BR" dirty="0"/>
+              <a:t>de extremos instáveis com baixo </a:t>
+            </a:r>
+            <a:r>
+              <a:rPr lang="pt-BR" dirty="0" smtClean="0"/>
+              <a:t>contraste que </a:t>
+            </a:r>
+            <a:r>
+              <a:rPr lang="pt-BR" dirty="0"/>
+              <a:t>seriam sensíveis a </a:t>
+            </a:r>
+            <a:r>
+              <a:rPr lang="pt-BR" dirty="0" smtClean="0"/>
+              <a:t>ruído (validação estabilidade)</a:t>
+            </a:r>
+          </a:p>
+          <a:p>
+            <a:pPr marL="285750" indent="-285750">
+              <a:buFont typeface="Wingdings" panose="05000000000000000000" pitchFamily="2" charset="2"/>
+              <a:buChar char="§"/>
+            </a:pPr>
+            <a:endParaRPr lang="pt-BR" dirty="0"/>
+          </a:p>
+        </p:txBody>
+      </p:sp>
     </p:spTree>
     <p:extLst>
       <p:ext uri="{BB962C8B-B14F-4D97-AF65-F5344CB8AC3E}">
-        <p14:creationId xmlns:p14="http://schemas.microsoft.com/office/powerpoint/2010/main" val="2632075059"/>
+        <p14:creationId xmlns:p14="http://schemas.microsoft.com/office/powerpoint/2010/main" val="1863924332"/>
       </p:ext>
     </p:extLst>
   </p:cSld>
@@ -4008,7 +4128,7 @@
             </a:pPr>
             <a:r>
               <a:rPr lang="pt-BR" dirty="0" smtClean="0"/>
-              <a:t>Construção do descritor </a:t>
+              <a:t>Máximos e Mínimos locais</a:t>
             </a:r>
           </a:p>
           <a:p>
@@ -4039,18 +4159,99 @@
         </p:blipFill>
         <p:spPr>
           <a:xfrm>
-            <a:off x="3034845" y="2692230"/>
-            <a:ext cx="5954077" cy="3925219"/>
+            <a:off x="1679744" y="2552386"/>
+            <a:ext cx="4458046" cy="3668851"/>
           </a:xfrm>
           <a:prstGeom prst="rect">
             <a:avLst/>
           </a:prstGeom>
         </p:spPr>
       </p:pic>
+      <p:sp>
+        <p:nvSpPr>
+          <p:cNvPr id="2" name="Retângulo 1"/>
+          <p:cNvSpPr/>
+          <p:nvPr/>
+        </p:nvSpPr>
+        <p:spPr>
+          <a:xfrm>
+            <a:off x="6772009" y="2552386"/>
+            <a:ext cx="4865809" cy="2031325"/>
+          </a:xfrm>
+          <a:prstGeom prst="rect">
+            <a:avLst/>
+          </a:prstGeom>
+        </p:spPr>
+        <p:txBody>
+          <a:bodyPr wrap="square">
+            <a:spAutoFit/>
+          </a:bodyPr>
+          <a:lstStyle/>
+          <a:p>
+            <a:pPr marL="285750" indent="-285750">
+              <a:buFont typeface="Wingdings" panose="05000000000000000000" pitchFamily="2" charset="2"/>
+              <a:buChar char="§"/>
+            </a:pPr>
+            <a:r>
+              <a:rPr lang="pt-BR" dirty="0" smtClean="0"/>
+              <a:t>Expansões </a:t>
+            </a:r>
+            <a:r>
+              <a:rPr lang="pt-BR" dirty="0"/>
+              <a:t>de Taylor nos resultados da função </a:t>
+            </a:r>
+            <a:r>
+              <a:rPr lang="pt-BR" dirty="0" err="1"/>
+              <a:t>DoG</a:t>
+            </a:r>
+            <a:r>
+              <a:rPr lang="pt-BR" dirty="0"/>
+              <a:t> em cada ponto;</a:t>
+            </a:r>
+          </a:p>
+          <a:p>
+            <a:pPr marL="285750" indent="-285750">
+              <a:buFont typeface="Wingdings" panose="05000000000000000000" pitchFamily="2" charset="2"/>
+              <a:buChar char="§"/>
+            </a:pPr>
+            <a:r>
+              <a:rPr lang="pt-BR" dirty="0" smtClean="0"/>
+              <a:t>Rejeição </a:t>
+            </a:r>
+            <a:r>
+              <a:rPr lang="pt-BR" dirty="0"/>
+              <a:t>de extremos instáveis com baixo </a:t>
+            </a:r>
+            <a:r>
+              <a:rPr lang="pt-BR" dirty="0" smtClean="0"/>
+              <a:t>contraste que </a:t>
+            </a:r>
+            <a:r>
+              <a:rPr lang="pt-BR" dirty="0"/>
+              <a:t>seriam sensíveis a </a:t>
+            </a:r>
+            <a:r>
+              <a:rPr lang="pt-BR" dirty="0" smtClean="0"/>
+              <a:t>ruído (validação estabilidade)</a:t>
+            </a:r>
+          </a:p>
+          <a:p>
+            <a:pPr marL="285750" indent="-285750">
+              <a:buFont typeface="Wingdings" panose="05000000000000000000" pitchFamily="2" charset="2"/>
+              <a:buChar char="§"/>
+            </a:pPr>
+            <a:r>
+              <a:rPr lang="pt-BR" dirty="0" smtClean="0"/>
+              <a:t>Eliminação de pontos em arestas utilizando Matriz Hessiana</a:t>
+            </a:r>
+            <a:endParaRPr lang="pt-BR" dirty="0"/>
+          </a:p>
+        </p:txBody>
+      </p:sp>
     </p:spTree>
     <p:extLst>
       <p:ext uri="{BB962C8B-B14F-4D97-AF65-F5344CB8AC3E}">
-        <p14:creationId xmlns:p14="http://schemas.microsoft.com/office/powerpoint/2010/main" val="1016606178"/>
+        <p14:creationId xmlns:p14="http://schemas.microsoft.com/office/powerpoint/2010/main" val="1523170087"/>
       </p:ext>
     </p:extLst>
   </p:cSld>
@@ -4254,7 +4455,7 @@
             </a:pPr>
             <a:r>
               <a:rPr lang="pt-BR" dirty="0" smtClean="0"/>
-              <a:t>Correspondência entre imagens</a:t>
+              <a:t>Atribuição de orientação</a:t>
             </a:r>
           </a:p>
           <a:p>
@@ -4271,38 +4472,88 @@
       </p:sp>
       <p:pic>
         <p:nvPicPr>
-          <p:cNvPr id="4" name="Imagem 3"/>
+          <p:cNvPr id="2" name="Imagem 1"/>
           <p:cNvPicPr>
             <a:picLocks noChangeAspect="1"/>
           </p:cNvPicPr>
           <p:nvPr/>
         </p:nvPicPr>
         <p:blipFill>
-          <a:blip r:embed="rId4">
-            <a:extLst>
-              <a:ext uri="{28A0092B-C50C-407E-A947-70E740481C1C}">
-                <a14:useLocalDpi xmlns:a14="http://schemas.microsoft.com/office/drawing/2010/main" val="0"/>
-              </a:ext>
-            </a:extLst>
-          </a:blip>
+          <a:blip r:embed="rId4"/>
           <a:stretch>
             <a:fillRect/>
           </a:stretch>
         </p:blipFill>
         <p:spPr>
           <a:xfrm>
-            <a:off x="2447724" y="2602262"/>
-            <a:ext cx="7128320" cy="3658405"/>
+            <a:off x="418636" y="2917767"/>
+            <a:ext cx="7037883" cy="2413819"/>
           </a:xfrm>
           <a:prstGeom prst="rect">
             <a:avLst/>
           </a:prstGeom>
         </p:spPr>
       </p:pic>
+      <p:sp>
+        <p:nvSpPr>
+          <p:cNvPr id="3" name="Retângulo 2"/>
+          <p:cNvSpPr/>
+          <p:nvPr/>
+        </p:nvSpPr>
+        <p:spPr>
+          <a:xfrm>
+            <a:off x="7639163" y="3640261"/>
+            <a:ext cx="4120342" cy="646331"/>
+          </a:xfrm>
+          <a:prstGeom prst="rect">
+            <a:avLst/>
+          </a:prstGeom>
+        </p:spPr>
+        <p:txBody>
+          <a:bodyPr wrap="square">
+            <a:spAutoFit/>
+          </a:bodyPr>
+          <a:lstStyle/>
+          <a:p>
+            <a:r>
+              <a:rPr lang="pt-BR" dirty="0" smtClean="0"/>
+              <a:t>- Calculo </a:t>
+            </a:r>
+            <a:r>
+              <a:rPr lang="pt-BR" dirty="0"/>
+              <a:t>d</a:t>
+            </a:r>
+            <a:r>
+              <a:rPr lang="pt-BR" dirty="0" smtClean="0"/>
+              <a:t>a </a:t>
+            </a:r>
+            <a:r>
+              <a:rPr lang="pt-BR" dirty="0"/>
+              <a:t>magnitude </a:t>
+            </a:r>
+            <a:r>
+              <a:rPr lang="pt-BR" dirty="0" smtClean="0"/>
+              <a:t>e </a:t>
+            </a:r>
+            <a:r>
+              <a:rPr lang="pt-BR" dirty="0"/>
+              <a:t>a </a:t>
+            </a:r>
+            <a:r>
+              <a:rPr lang="pt-BR" dirty="0" smtClean="0"/>
+              <a:t>orientação do </a:t>
+            </a:r>
+            <a:r>
+              <a:rPr lang="pt-BR" dirty="0"/>
+              <a:t>gradiente usando as diferenças de pixeis</a:t>
+            </a:r>
+          </a:p>
+        </p:txBody>
+      </p:sp>
     </p:spTree>
     <p:extLst>
       <p:ext uri="{BB962C8B-B14F-4D97-AF65-F5344CB8AC3E}">
-        <p14:creationId xmlns:p14="http://schemas.microsoft.com/office/powerpoint/2010/main" val="811925149"/>
+        <p14:creationId xmlns:p14="http://schemas.microsoft.com/office/powerpoint/2010/main" val="2632075059"/>
       </p:ext>
     </p:extLst>
   </p:cSld>
@@ -4467,7 +4718,7 @@
                 </a:solidFill>
                 <a:latin typeface="Arial" pitchFamily="34"/>
               </a:rPr>
-              <a:t>Metodologia</a:t>
+              <a:t>Revisão bibliográfica</a:t>
             </a:r>
             <a:endParaRPr lang="pt-BR" dirty="0">
               <a:solidFill>
@@ -4486,8 +4737,8 @@
         </p:nvSpPr>
         <p:spPr>
           <a:xfrm>
-            <a:off x="1744683" y="2410642"/>
-            <a:ext cx="8534401" cy="2308324"/>
+            <a:off x="1661559" y="1990968"/>
+            <a:ext cx="6579348" cy="923330"/>
           </a:xfrm>
           <a:prstGeom prst="rect">
             <a:avLst/>
@@ -4500,6 +4751,504 @@
           </a:bodyPr>
           <a:lstStyle/>
           <a:p>
+            <a:pPr marL="285750" indent="-285750">
+              <a:buFont typeface="Wingdings" panose="05000000000000000000" pitchFamily="2" charset="2"/>
+              <a:buChar char="§"/>
+            </a:pPr>
+            <a:r>
+              <a:rPr lang="pt-BR" dirty="0" smtClean="0"/>
+              <a:t>Construção do descritor </a:t>
+            </a:r>
+          </a:p>
+          <a:p>
+            <a:r>
+              <a:rPr lang="pt-BR" dirty="0" smtClean="0"/>
+              <a:t/>
+            </a:r>
+            <a:br>
+              <a:rPr lang="pt-BR" dirty="0" smtClean="0"/>
+            </a:br>
+            <a:endParaRPr lang="pt-BR" dirty="0"/>
+          </a:p>
+        </p:txBody>
+      </p:sp>
+      <p:pic>
+        <p:nvPicPr>
+          <p:cNvPr id="3" name="Imagem 2"/>
+          <p:cNvPicPr>
+            <a:picLocks noChangeAspect="1"/>
+          </p:cNvPicPr>
+          <p:nvPr/>
+        </p:nvPicPr>
+        <p:blipFill>
+          <a:blip r:embed="rId4"/>
+          <a:stretch>
+            <a:fillRect/>
+          </a:stretch>
+        </p:blipFill>
+        <p:spPr>
+          <a:xfrm>
+            <a:off x="3034845" y="2692230"/>
+            <a:ext cx="5954077" cy="3925219"/>
+          </a:xfrm>
+          <a:prstGeom prst="rect">
+            <a:avLst/>
+          </a:prstGeom>
+        </p:spPr>
+      </p:pic>
+    </p:spTree>
+    <p:extLst>
+      <p:ext uri="{BB962C8B-B14F-4D97-AF65-F5344CB8AC3E}">
+        <p14:creationId xmlns:p14="http://schemas.microsoft.com/office/powerpoint/2010/main" val="1016606178"/>
+      </p:ext>
+    </p:extLst>
+  </p:cSld>
+  <p:clrMapOvr>
+    <a:masterClrMapping/>
+  </p:clrMapOvr>
+  <p:timing>
+    <p:tnLst>
+      <p:par>
+        <p:cTn id="1" dur="indefinite" restart="never" nodeType="tmRoot"/>
+      </p:par>
+    </p:tnLst>
+  </p:timing>
+</p:sld>
+</file>
+
+<file path=ppt/slides/slide15.xml><?xml version="1.0" encoding="utf-8"?>
+<p:sld xmlns:a="http://schemas.openxmlformats.org/drawingml/2006/main" xmlns:r="http://schemas.openxmlformats.org/officeDocument/2006/relationships" xmlns:p="http://schemas.openxmlformats.org/presentationml/2006/main">
+  <p:cSld>
+    <p:spTree>
+      <p:nvGrpSpPr>
+        <p:cNvPr id="1" name=""/>
+        <p:cNvGrpSpPr/>
+        <p:nvPr/>
+      </p:nvGrpSpPr>
+      <p:grpSpPr>
+        <a:xfrm>
+          <a:off x="0" y="0"/>
+          <a:ext cx="0" cy="0"/>
+          <a:chOff x="0" y="0"/>
+          <a:chExt cx="0" cy="0"/>
+        </a:xfrm>
+      </p:grpSpPr>
+      <p:pic>
+        <p:nvPicPr>
+          <p:cNvPr id="1028" name="Picture 4" descr="http://cc.uffs.edu.br/images/Computacao/logo.png"/>
+          <p:cNvPicPr>
+            <a:picLocks noChangeAspect="1" noChangeArrowheads="1"/>
+          </p:cNvPicPr>
+          <p:nvPr/>
+        </p:nvPicPr>
+        <p:blipFill>
+          <a:blip r:embed="rId2">
+            <a:extLst>
+              <a:ext uri="{28A0092B-C50C-407E-A947-70E740481C1C}">
+                <a14:useLocalDpi xmlns:a14="http://schemas.microsoft.com/office/drawing/2010/main" val="0"/>
+              </a:ext>
+            </a:extLst>
+          </a:blip>
+          <a:srcRect/>
+          <a:stretch>
+            <a:fillRect/>
+          </a:stretch>
+        </p:blipFill>
+        <p:spPr bwMode="auto">
+          <a:xfrm>
+            <a:off x="130861" y="153859"/>
+            <a:ext cx="2143125" cy="762000"/>
+          </a:xfrm>
+          <a:prstGeom prst="rect">
+            <a:avLst/>
+          </a:prstGeom>
+          <a:noFill/>
+          <a:extLst>
+            <a:ext uri="{909E8E84-426E-40DD-AFC4-6F175D3DCCD1}">
+              <a14:hiddenFill xmlns:a14="http://schemas.microsoft.com/office/drawing/2010/main">
+                <a:solidFill>
+                  <a:srgbClr val="FFFFFF"/>
+                </a:solidFill>
+              </a14:hiddenFill>
+            </a:ext>
+          </a:extLst>
+        </p:spPr>
+      </p:pic>
+      <p:pic>
+        <p:nvPicPr>
+          <p:cNvPr id="1034" name="Picture 10" descr="http://www.uffs.edu.br/index.php?option=com_docman&amp;task=doc_view&amp;gid=2863&amp;Itemid="/>
+          <p:cNvPicPr>
+            <a:picLocks noChangeAspect="1" noChangeArrowheads="1"/>
+          </p:cNvPicPr>
+          <p:nvPr/>
+        </p:nvPicPr>
+        <p:blipFill>
+          <a:blip r:embed="rId3" cstate="print">
+            <a:extLst>
+              <a:ext uri="{28A0092B-C50C-407E-A947-70E740481C1C}">
+                <a14:useLocalDpi xmlns:a14="http://schemas.microsoft.com/office/drawing/2010/main" val="0"/>
+              </a:ext>
+            </a:extLst>
+          </a:blip>
+          <a:srcRect/>
+          <a:stretch>
+            <a:fillRect/>
+          </a:stretch>
+        </p:blipFill>
+        <p:spPr bwMode="auto">
+          <a:xfrm>
+            <a:off x="11025241" y="98856"/>
+            <a:ext cx="734264" cy="1025611"/>
+          </a:xfrm>
+          <a:prstGeom prst="rect">
+            <a:avLst/>
+          </a:prstGeom>
+          <a:noFill/>
+          <a:extLst>
+            <a:ext uri="{909E8E84-426E-40DD-AFC4-6F175D3DCCD1}">
+              <a14:hiddenFill xmlns:a14="http://schemas.microsoft.com/office/drawing/2010/main">
+                <a:solidFill>
+                  <a:srgbClr val="FFFFFF"/>
+                </a:solidFill>
+              </a14:hiddenFill>
+            </a:ext>
+          </a:extLst>
+        </p:spPr>
+      </p:pic>
+      <p:sp>
+        <p:nvSpPr>
+          <p:cNvPr id="5" name="Título 1"/>
+          <p:cNvSpPr txBox="1">
+            <a:spLocks/>
+          </p:cNvSpPr>
+          <p:nvPr/>
+        </p:nvSpPr>
+        <p:spPr>
+          <a:xfrm>
+            <a:off x="1476064" y="534859"/>
+            <a:ext cx="9071640" cy="1262160"/>
+          </a:xfrm>
+          <a:prstGeom prst="rect">
+            <a:avLst/>
+          </a:prstGeom>
+        </p:spPr>
+        <p:txBody>
+          <a:bodyPr vert="horz" lIns="91440" tIns="45720" rIns="91440" bIns="45720" rtlCol="0" anchor="ctr">
+            <a:normAutofit/>
+          </a:bodyPr>
+          <a:lstStyle>
+            <a:lvl1pPr algn="l" defTabSz="914400" rtl="0" eaLnBrk="1" latinLnBrk="0" hangingPunct="1">
+              <a:lnSpc>
+                <a:spcPct val="90000"/>
+              </a:lnSpc>
+              <a:spcBef>
+                <a:spcPct val="0"/>
+              </a:spcBef>
+              <a:buNone/>
+              <a:defRPr sz="4400" kern="1200">
+                <a:solidFill>
+                  <a:schemeClr val="tx1"/>
+                </a:solidFill>
+                <a:latin typeface="+mj-lt"/>
+                <a:ea typeface="+mj-ea"/>
+                <a:cs typeface="+mj-cs"/>
+              </a:defRPr>
+            </a:lvl1pPr>
+          </a:lstStyle>
+          <a:p>
+            <a:pPr algn="ctr"/>
+            <a:r>
+              <a:rPr lang="pt-BR" dirty="0" smtClean="0">
+                <a:solidFill>
+                  <a:srgbClr val="007826"/>
+                </a:solidFill>
+                <a:latin typeface="Arial" pitchFamily="34"/>
+              </a:rPr>
+              <a:t>Revisão bibliográfica</a:t>
+            </a:r>
+            <a:endParaRPr lang="pt-BR" dirty="0">
+              <a:solidFill>
+                <a:srgbClr val="007826"/>
+              </a:solidFill>
+              <a:latin typeface="Arial" pitchFamily="34"/>
+            </a:endParaRPr>
+          </a:p>
+        </p:txBody>
+      </p:sp>
+      <p:sp>
+        <p:nvSpPr>
+          <p:cNvPr id="7" name="CaixaDeTexto 6"/>
+          <p:cNvSpPr txBox="1"/>
+          <p:nvPr/>
+        </p:nvSpPr>
+        <p:spPr>
+          <a:xfrm>
+            <a:off x="1661559" y="1990968"/>
+            <a:ext cx="6579348" cy="923330"/>
+          </a:xfrm>
+          <a:prstGeom prst="rect">
+            <a:avLst/>
+          </a:prstGeom>
+          <a:noFill/>
+        </p:spPr>
+        <p:txBody>
+          <a:bodyPr wrap="square" rtlCol="0">
+            <a:spAutoFit/>
+          </a:bodyPr>
+          <a:lstStyle/>
+          <a:p>
+            <a:pPr marL="285750" indent="-285750">
+              <a:buFont typeface="Wingdings" panose="05000000000000000000" pitchFamily="2" charset="2"/>
+              <a:buChar char="§"/>
+            </a:pPr>
+            <a:r>
+              <a:rPr lang="pt-BR" dirty="0" smtClean="0"/>
+              <a:t>Correspondência entre imagens</a:t>
+            </a:r>
+          </a:p>
+          <a:p>
+            <a:r>
+              <a:rPr lang="pt-BR" dirty="0" smtClean="0"/>
+              <a:t/>
+            </a:r>
+            <a:br>
+              <a:rPr lang="pt-BR" dirty="0" smtClean="0"/>
+            </a:br>
+            <a:endParaRPr lang="pt-BR" dirty="0"/>
+          </a:p>
+        </p:txBody>
+      </p:sp>
+      <p:pic>
+        <p:nvPicPr>
+          <p:cNvPr id="4" name="Imagem 3"/>
+          <p:cNvPicPr>
+            <a:picLocks noChangeAspect="1"/>
+          </p:cNvPicPr>
+          <p:nvPr/>
+        </p:nvPicPr>
+        <p:blipFill>
+          <a:blip r:embed="rId4">
+            <a:extLst>
+              <a:ext uri="{28A0092B-C50C-407E-A947-70E740481C1C}">
+                <a14:useLocalDpi xmlns:a14="http://schemas.microsoft.com/office/drawing/2010/main" val="0"/>
+              </a:ext>
+            </a:extLst>
+          </a:blip>
+          <a:stretch>
+            <a:fillRect/>
+          </a:stretch>
+        </p:blipFill>
+        <p:spPr>
+          <a:xfrm>
+            <a:off x="2447724" y="2602262"/>
+            <a:ext cx="7128320" cy="3658405"/>
+          </a:xfrm>
+          <a:prstGeom prst="rect">
+            <a:avLst/>
+          </a:prstGeom>
+        </p:spPr>
+      </p:pic>
+    </p:spTree>
+    <p:extLst>
+      <p:ext uri="{BB962C8B-B14F-4D97-AF65-F5344CB8AC3E}">
+        <p14:creationId xmlns:p14="http://schemas.microsoft.com/office/powerpoint/2010/main" val="811925149"/>
+      </p:ext>
+    </p:extLst>
+  </p:cSld>
+  <p:clrMapOvr>
+    <a:masterClrMapping/>
+  </p:clrMapOvr>
+  <p:timing>
+    <p:tnLst>
+      <p:par>
+        <p:cTn id="1" dur="indefinite" restart="never" nodeType="tmRoot"/>
+      </p:par>
+    </p:tnLst>
+  </p:timing>
+</p:sld>
+</file>
+
+<file path=ppt/slides/slide16.xml><?xml version="1.0" encoding="utf-8"?>
+<p:sld xmlns:a="http://schemas.openxmlformats.org/drawingml/2006/main" xmlns:r="http://schemas.openxmlformats.org/officeDocument/2006/relationships" xmlns:p="http://schemas.openxmlformats.org/presentationml/2006/main">
+  <p:cSld>
+    <p:spTree>
+      <p:nvGrpSpPr>
+        <p:cNvPr id="1" name=""/>
+        <p:cNvGrpSpPr/>
+        <p:nvPr/>
+      </p:nvGrpSpPr>
+      <p:grpSpPr>
+        <a:xfrm>
+          <a:off x="0" y="0"/>
+          <a:ext cx="0" cy="0"/>
+          <a:chOff x="0" y="0"/>
+          <a:chExt cx="0" cy="0"/>
+        </a:xfrm>
+      </p:grpSpPr>
+      <p:pic>
+        <p:nvPicPr>
+          <p:cNvPr id="1028" name="Picture 4" descr="http://cc.uffs.edu.br/images/Computacao/logo.png"/>
+          <p:cNvPicPr>
+            <a:picLocks noChangeAspect="1" noChangeArrowheads="1"/>
+          </p:cNvPicPr>
+          <p:nvPr/>
+        </p:nvPicPr>
+        <p:blipFill>
+          <a:blip r:embed="rId2">
+            <a:extLst>
+              <a:ext uri="{28A0092B-C50C-407E-A947-70E740481C1C}">
+                <a14:useLocalDpi xmlns:a14="http://schemas.microsoft.com/office/drawing/2010/main" val="0"/>
+              </a:ext>
+            </a:extLst>
+          </a:blip>
+          <a:srcRect/>
+          <a:stretch>
+            <a:fillRect/>
+          </a:stretch>
+        </p:blipFill>
+        <p:spPr bwMode="auto">
+          <a:xfrm>
+            <a:off x="130861" y="153859"/>
+            <a:ext cx="2143125" cy="762000"/>
+          </a:xfrm>
+          <a:prstGeom prst="rect">
+            <a:avLst/>
+          </a:prstGeom>
+          <a:noFill/>
+          <a:extLst>
+            <a:ext uri="{909E8E84-426E-40DD-AFC4-6F175D3DCCD1}">
+              <a14:hiddenFill xmlns:a14="http://schemas.microsoft.com/office/drawing/2010/main">
+                <a:solidFill>
+                  <a:srgbClr val="FFFFFF"/>
+                </a:solidFill>
+              </a14:hiddenFill>
+            </a:ext>
+          </a:extLst>
+        </p:spPr>
+      </p:pic>
+      <p:pic>
+        <p:nvPicPr>
+          <p:cNvPr id="1034" name="Picture 10" descr="http://www.uffs.edu.br/index.php?option=com_docman&amp;task=doc_view&amp;gid=2863&amp;Itemid="/>
+          <p:cNvPicPr>
+            <a:picLocks noChangeAspect="1" noChangeArrowheads="1"/>
+          </p:cNvPicPr>
+          <p:nvPr/>
+        </p:nvPicPr>
+        <p:blipFill>
+          <a:blip r:embed="rId3" cstate="print">
+            <a:extLst>
+              <a:ext uri="{28A0092B-C50C-407E-A947-70E740481C1C}">
+                <a14:useLocalDpi xmlns:a14="http://schemas.microsoft.com/office/drawing/2010/main" val="0"/>
+              </a:ext>
+            </a:extLst>
+          </a:blip>
+          <a:srcRect/>
+          <a:stretch>
+            <a:fillRect/>
+          </a:stretch>
+        </p:blipFill>
+        <p:spPr bwMode="auto">
+          <a:xfrm>
+            <a:off x="11025241" y="98856"/>
+            <a:ext cx="734264" cy="1025611"/>
+          </a:xfrm>
+          <a:prstGeom prst="rect">
+            <a:avLst/>
+          </a:prstGeom>
+          <a:noFill/>
+          <a:extLst>
+            <a:ext uri="{909E8E84-426E-40DD-AFC4-6F175D3DCCD1}">
+              <a14:hiddenFill xmlns:a14="http://schemas.microsoft.com/office/drawing/2010/main">
+                <a:solidFill>
+                  <a:srgbClr val="FFFFFF"/>
+                </a:solidFill>
+              </a14:hiddenFill>
+            </a:ext>
+          </a:extLst>
+        </p:spPr>
+      </p:pic>
+      <p:sp>
+        <p:nvSpPr>
+          <p:cNvPr id="5" name="Título 1"/>
+          <p:cNvSpPr txBox="1">
+            <a:spLocks/>
+          </p:cNvSpPr>
+          <p:nvPr/>
+        </p:nvSpPr>
+        <p:spPr>
+          <a:xfrm>
+            <a:off x="1476064" y="534859"/>
+            <a:ext cx="9071640" cy="1262160"/>
+          </a:xfrm>
+          <a:prstGeom prst="rect">
+            <a:avLst/>
+          </a:prstGeom>
+        </p:spPr>
+        <p:txBody>
+          <a:bodyPr vert="horz" lIns="91440" tIns="45720" rIns="91440" bIns="45720" rtlCol="0" anchor="ctr">
+            <a:normAutofit/>
+          </a:bodyPr>
+          <a:lstStyle>
+            <a:lvl1pPr algn="l" defTabSz="914400" rtl="0" eaLnBrk="1" latinLnBrk="0" hangingPunct="1">
+              <a:lnSpc>
+                <a:spcPct val="90000"/>
+              </a:lnSpc>
+              <a:spcBef>
+                <a:spcPct val="0"/>
+              </a:spcBef>
+              <a:buNone/>
+              <a:defRPr sz="4400" kern="1200">
+                <a:solidFill>
+                  <a:schemeClr val="tx1"/>
+                </a:solidFill>
+                <a:latin typeface="+mj-lt"/>
+                <a:ea typeface="+mj-ea"/>
+                <a:cs typeface="+mj-cs"/>
+              </a:defRPr>
+            </a:lvl1pPr>
+          </a:lstStyle>
+          <a:p>
+            <a:pPr algn="ctr"/>
+            <a:r>
+              <a:rPr lang="pt-BR" dirty="0" smtClean="0">
+                <a:solidFill>
+                  <a:srgbClr val="007826"/>
+                </a:solidFill>
+                <a:latin typeface="Arial" pitchFamily="34"/>
+              </a:rPr>
+              <a:t>Metodologia</a:t>
+            </a:r>
+            <a:endParaRPr lang="pt-BR" dirty="0">
+              <a:solidFill>
+                <a:srgbClr val="007826"/>
+              </a:solidFill>
+              <a:latin typeface="Arial" pitchFamily="34"/>
+            </a:endParaRPr>
+          </a:p>
+        </p:txBody>
+      </p:sp>
+      <p:sp>
+        <p:nvSpPr>
+          <p:cNvPr id="7" name="CaixaDeTexto 6"/>
+          <p:cNvSpPr txBox="1"/>
+          <p:nvPr/>
+        </p:nvSpPr>
+        <p:spPr>
+          <a:xfrm>
+            <a:off x="1744683" y="2410642"/>
+            <a:ext cx="8534401" cy="2308324"/>
+          </a:xfrm>
+          <a:prstGeom prst="rect">
+            <a:avLst/>
+          </a:prstGeom>
+          <a:noFill/>
+        </p:spPr>
+        <p:txBody>
+          <a:bodyPr wrap="square" rtlCol="0">
+            <a:spAutoFit/>
+          </a:bodyPr>
+          <a:lstStyle/>
+          <a:p>
             <a:pPr lvl="1"/>
             <a:endParaRPr lang="pt-BR" i="1" dirty="0" smtClean="0"/>
           </a:p>
@@ -4536,13 +5285,8 @@
             </a:pPr>
             <a:r>
               <a:rPr lang="pt-BR" dirty="0" smtClean="0"/>
-              <a:t>Proposta do software</a:t>
-            </a:r>
-            <a:r>
-              <a:rPr lang="pt-BR" dirty="0" smtClean="0"/>
-              <a:t>;</a:t>
-            </a:r>
-            <a:endParaRPr lang="pt-BR" dirty="0" smtClean="0"/>
+              <a:t>Proposta do software;</a:t>
+            </a:r>
           </a:p>
           <a:p>
             <a:pPr marL="342900" indent="-342900">
@@ -4575,7 +5319,7 @@
 </p:sld>
 </file>
 
-<file path=ppt/slides/slide15.xml><?xml version="1.0" encoding="utf-8"?>
+<file path=ppt/slides/slide17.xml><?xml version="1.0" encoding="utf-8"?>
 <p:sld xmlns:a="http://schemas.openxmlformats.org/drawingml/2006/main" xmlns:r="http://schemas.openxmlformats.org/officeDocument/2006/relationships" xmlns:p="http://schemas.openxmlformats.org/presentationml/2006/main">
   <p:cSld>
     <p:spTree>
@@ -6719,641 +7463,6 @@
 </p:sld>
 </file>
 
-<file path=ppt/slides/slide16.xml><?xml version="1.0" encoding="utf-8"?>
-<p:sld xmlns:a="http://schemas.openxmlformats.org/drawingml/2006/main" xmlns:r="http://schemas.openxmlformats.org/officeDocument/2006/relationships" xmlns:p="http://schemas.openxmlformats.org/presentationml/2006/main">
-  <p:cSld>
-    <p:spTree>
-      <p:nvGrpSpPr>
-        <p:cNvPr id="1" name=""/>
-        <p:cNvGrpSpPr/>
-        <p:nvPr/>
-      </p:nvGrpSpPr>
-      <p:grpSpPr>
-        <a:xfrm>
-          <a:off x="0" y="0"/>
-          <a:ext cx="0" cy="0"/>
-          <a:chOff x="0" y="0"/>
-          <a:chExt cx="0" cy="0"/>
-        </a:xfrm>
-      </p:grpSpPr>
-      <p:pic>
-        <p:nvPicPr>
-          <p:cNvPr id="1028" name="Picture 4" descr="http://cc.uffs.edu.br/images/Computacao/logo.png"/>
-          <p:cNvPicPr>
-            <a:picLocks noChangeAspect="1" noChangeArrowheads="1"/>
-          </p:cNvPicPr>
-          <p:nvPr/>
-        </p:nvPicPr>
-        <p:blipFill>
-          <a:blip r:embed="rId2">
-            <a:extLst>
-              <a:ext uri="{28A0092B-C50C-407E-A947-70E740481C1C}">
-                <a14:useLocalDpi xmlns:a14="http://schemas.microsoft.com/office/drawing/2010/main" val="0"/>
-              </a:ext>
-            </a:extLst>
-          </a:blip>
-          <a:srcRect/>
-          <a:stretch>
-            <a:fillRect/>
-          </a:stretch>
-        </p:blipFill>
-        <p:spPr bwMode="auto">
-          <a:xfrm>
-            <a:off x="130861" y="153859"/>
-            <a:ext cx="2143125" cy="762000"/>
-          </a:xfrm>
-          <a:prstGeom prst="rect">
-            <a:avLst/>
-          </a:prstGeom>
-          <a:noFill/>
-          <a:extLst>
-            <a:ext uri="{909E8E84-426E-40DD-AFC4-6F175D3DCCD1}">
-              <a14:hiddenFill xmlns:a14="http://schemas.microsoft.com/office/drawing/2010/main">
-                <a:solidFill>
-                  <a:srgbClr val="FFFFFF"/>
-                </a:solidFill>
-              </a14:hiddenFill>
-            </a:ext>
-          </a:extLst>
-        </p:spPr>
-      </p:pic>
-      <p:pic>
-        <p:nvPicPr>
-          <p:cNvPr id="1034" name="Picture 10" descr="http://www.uffs.edu.br/index.php?option=com_docman&amp;task=doc_view&amp;gid=2863&amp;Itemid="/>
-          <p:cNvPicPr>
-            <a:picLocks noChangeAspect="1" noChangeArrowheads="1"/>
-          </p:cNvPicPr>
-          <p:nvPr/>
-        </p:nvPicPr>
-        <p:blipFill>
-          <a:blip r:embed="rId3" cstate="print">
-            <a:extLst>
-              <a:ext uri="{28A0092B-C50C-407E-A947-70E740481C1C}">
-                <a14:useLocalDpi xmlns:a14="http://schemas.microsoft.com/office/drawing/2010/main" val="0"/>
-              </a:ext>
-            </a:extLst>
-          </a:blip>
-          <a:srcRect/>
-          <a:stretch>
-            <a:fillRect/>
-          </a:stretch>
-        </p:blipFill>
-        <p:spPr bwMode="auto">
-          <a:xfrm>
-            <a:off x="11025241" y="98856"/>
-            <a:ext cx="734264" cy="1025611"/>
-          </a:xfrm>
-          <a:prstGeom prst="rect">
-            <a:avLst/>
-          </a:prstGeom>
-          <a:noFill/>
-          <a:extLst>
-            <a:ext uri="{909E8E84-426E-40DD-AFC4-6F175D3DCCD1}">
-              <a14:hiddenFill xmlns:a14="http://schemas.microsoft.com/office/drawing/2010/main">
-                <a:solidFill>
-                  <a:srgbClr val="FFFFFF"/>
-                </a:solidFill>
-              </a14:hiddenFill>
-            </a:ext>
-          </a:extLst>
-        </p:spPr>
-      </p:pic>
-      <p:sp>
-        <p:nvSpPr>
-          <p:cNvPr id="5" name="Título 1"/>
-          <p:cNvSpPr txBox="1">
-            <a:spLocks/>
-          </p:cNvSpPr>
-          <p:nvPr/>
-        </p:nvSpPr>
-        <p:spPr>
-          <a:xfrm>
-            <a:off x="1476064" y="534859"/>
-            <a:ext cx="9071640" cy="1262160"/>
-          </a:xfrm>
-          <a:prstGeom prst="rect">
-            <a:avLst/>
-          </a:prstGeom>
-        </p:spPr>
-        <p:txBody>
-          <a:bodyPr vert="horz" lIns="91440" tIns="45720" rIns="91440" bIns="45720" rtlCol="0" anchor="ctr">
-            <a:normAutofit/>
-          </a:bodyPr>
-          <a:lstStyle>
-            <a:lvl1pPr algn="l" defTabSz="914400" rtl="0" eaLnBrk="1" latinLnBrk="0" hangingPunct="1">
-              <a:lnSpc>
-                <a:spcPct val="90000"/>
-              </a:lnSpc>
-              <a:spcBef>
-                <a:spcPct val="0"/>
-              </a:spcBef>
-              <a:buNone/>
-              <a:defRPr sz="4400" kern="1200">
-                <a:solidFill>
-                  <a:schemeClr val="tx1"/>
-                </a:solidFill>
-                <a:latin typeface="+mj-lt"/>
-                <a:ea typeface="+mj-ea"/>
-                <a:cs typeface="+mj-cs"/>
-              </a:defRPr>
-            </a:lvl1pPr>
-          </a:lstStyle>
-          <a:p>
-            <a:pPr algn="ctr"/>
-            <a:r>
-              <a:rPr lang="pt-BR" dirty="0" smtClean="0">
-                <a:solidFill>
-                  <a:srgbClr val="007826"/>
-                </a:solidFill>
-                <a:latin typeface="Arial" pitchFamily="34"/>
-              </a:rPr>
-              <a:t>Resultados esperados</a:t>
-            </a:r>
-          </a:p>
-        </p:txBody>
-      </p:sp>
-      <p:sp>
-        <p:nvSpPr>
-          <p:cNvPr id="7" name="CaixaDeTexto 6"/>
-          <p:cNvSpPr txBox="1"/>
-          <p:nvPr/>
-        </p:nvSpPr>
-        <p:spPr>
-          <a:xfrm>
-            <a:off x="601361" y="2913152"/>
-            <a:ext cx="11261125" cy="923330"/>
-          </a:xfrm>
-          <a:prstGeom prst="rect">
-            <a:avLst/>
-          </a:prstGeom>
-          <a:noFill/>
-        </p:spPr>
-        <p:txBody>
-          <a:bodyPr wrap="square" rtlCol="0">
-            <a:spAutoFit/>
-          </a:bodyPr>
-          <a:lstStyle/>
-          <a:p>
-            <a:pPr algn="ctr"/>
-            <a:r>
-              <a:rPr lang="pt-BR" dirty="0" smtClean="0"/>
-              <a:t>Pretende-se alcançar com este estudo a eficiência na identificação de </a:t>
-            </a:r>
-          </a:p>
-          <a:p>
-            <a:pPr algn="ctr"/>
-            <a:r>
-              <a:rPr lang="pt-BR" dirty="0"/>
-              <a:t>c</a:t>
-            </a:r>
-            <a:r>
-              <a:rPr lang="pt-BR" dirty="0" smtClean="0"/>
-              <a:t>aracterísticas chaves de objetos </a:t>
-            </a:r>
-            <a:r>
-              <a:rPr lang="pt-BR" dirty="0" smtClean="0"/>
-              <a:t>em ambientes </a:t>
-            </a:r>
-            <a:r>
-              <a:rPr lang="pt-BR" dirty="0" smtClean="0"/>
-              <a:t>de trabalho não </a:t>
-            </a:r>
-            <a:r>
-              <a:rPr lang="pt-BR" dirty="0" smtClean="0"/>
-              <a:t>controlados, </a:t>
-            </a:r>
-            <a:endParaRPr lang="pt-BR" dirty="0" smtClean="0"/>
-          </a:p>
-          <a:p>
-            <a:pPr algn="ctr"/>
-            <a:r>
-              <a:rPr lang="pt-BR" dirty="0"/>
-              <a:t>b</a:t>
-            </a:r>
-            <a:r>
-              <a:rPr lang="pt-BR" dirty="0" smtClean="0"/>
-              <a:t>em como a efetividade do sistema a ser desenvolvido.</a:t>
-            </a:r>
-            <a:endParaRPr lang="pt-BR" dirty="0"/>
-          </a:p>
-        </p:txBody>
-      </p:sp>
-    </p:spTree>
-    <p:extLst>
-      <p:ext uri="{BB962C8B-B14F-4D97-AF65-F5344CB8AC3E}">
-        <p14:creationId xmlns:p14="http://schemas.microsoft.com/office/powerpoint/2010/main" val="784342757"/>
-      </p:ext>
-    </p:extLst>
-  </p:cSld>
-  <p:clrMapOvr>
-    <a:masterClrMapping/>
-  </p:clrMapOvr>
-  <p:timing>
-    <p:tnLst>
-      <p:par>
-        <p:cTn id="1" dur="indefinite" restart="never" nodeType="tmRoot"/>
-      </p:par>
-    </p:tnLst>
-  </p:timing>
-</p:sld>
-</file>
-
-<file path=ppt/slides/slide17.xml><?xml version="1.0" encoding="utf-8"?>
-<p:sld xmlns:a="http://schemas.openxmlformats.org/drawingml/2006/main" xmlns:r="http://schemas.openxmlformats.org/officeDocument/2006/relationships" xmlns:p="http://schemas.openxmlformats.org/presentationml/2006/main">
-  <p:cSld>
-    <p:spTree>
-      <p:nvGrpSpPr>
-        <p:cNvPr id="1" name=""/>
-        <p:cNvGrpSpPr/>
-        <p:nvPr/>
-      </p:nvGrpSpPr>
-      <p:grpSpPr>
-        <a:xfrm>
-          <a:off x="0" y="0"/>
-          <a:ext cx="0" cy="0"/>
-          <a:chOff x="0" y="0"/>
-          <a:chExt cx="0" cy="0"/>
-        </a:xfrm>
-      </p:grpSpPr>
-      <p:pic>
-        <p:nvPicPr>
-          <p:cNvPr id="1028" name="Picture 4" descr="http://cc.uffs.edu.br/images/Computacao/logo.png"/>
-          <p:cNvPicPr>
-            <a:picLocks noChangeAspect="1" noChangeArrowheads="1"/>
-          </p:cNvPicPr>
-          <p:nvPr/>
-        </p:nvPicPr>
-        <p:blipFill>
-          <a:blip r:embed="rId2">
-            <a:extLst>
-              <a:ext uri="{28A0092B-C50C-407E-A947-70E740481C1C}">
-                <a14:useLocalDpi xmlns:a14="http://schemas.microsoft.com/office/drawing/2010/main" val="0"/>
-              </a:ext>
-            </a:extLst>
-          </a:blip>
-          <a:srcRect/>
-          <a:stretch>
-            <a:fillRect/>
-          </a:stretch>
-        </p:blipFill>
-        <p:spPr bwMode="auto">
-          <a:xfrm>
-            <a:off x="130861" y="153859"/>
-            <a:ext cx="2143125" cy="762000"/>
-          </a:xfrm>
-          <a:prstGeom prst="rect">
-            <a:avLst/>
-          </a:prstGeom>
-          <a:noFill/>
-          <a:extLst>
-            <a:ext uri="{909E8E84-426E-40DD-AFC4-6F175D3DCCD1}">
-              <a14:hiddenFill xmlns:a14="http://schemas.microsoft.com/office/drawing/2010/main">
-                <a:solidFill>
-                  <a:srgbClr val="FFFFFF"/>
-                </a:solidFill>
-              </a14:hiddenFill>
-            </a:ext>
-          </a:extLst>
-        </p:spPr>
-      </p:pic>
-      <p:pic>
-        <p:nvPicPr>
-          <p:cNvPr id="1034" name="Picture 10" descr="http://www.uffs.edu.br/index.php?option=com_docman&amp;task=doc_view&amp;gid=2863&amp;Itemid="/>
-          <p:cNvPicPr>
-            <a:picLocks noChangeAspect="1" noChangeArrowheads="1"/>
-          </p:cNvPicPr>
-          <p:nvPr/>
-        </p:nvPicPr>
-        <p:blipFill>
-          <a:blip r:embed="rId3" cstate="print">
-            <a:extLst>
-              <a:ext uri="{28A0092B-C50C-407E-A947-70E740481C1C}">
-                <a14:useLocalDpi xmlns:a14="http://schemas.microsoft.com/office/drawing/2010/main" val="0"/>
-              </a:ext>
-            </a:extLst>
-          </a:blip>
-          <a:srcRect/>
-          <a:stretch>
-            <a:fillRect/>
-          </a:stretch>
-        </p:blipFill>
-        <p:spPr bwMode="auto">
-          <a:xfrm>
-            <a:off x="11025241" y="98856"/>
-            <a:ext cx="734264" cy="1025611"/>
-          </a:xfrm>
-          <a:prstGeom prst="rect">
-            <a:avLst/>
-          </a:prstGeom>
-          <a:noFill/>
-          <a:extLst>
-            <a:ext uri="{909E8E84-426E-40DD-AFC4-6F175D3DCCD1}">
-              <a14:hiddenFill xmlns:a14="http://schemas.microsoft.com/office/drawing/2010/main">
-                <a:solidFill>
-                  <a:srgbClr val="FFFFFF"/>
-                </a:solidFill>
-              </a14:hiddenFill>
-            </a:ext>
-          </a:extLst>
-        </p:spPr>
-      </p:pic>
-      <p:sp>
-        <p:nvSpPr>
-          <p:cNvPr id="5" name="Título 1"/>
-          <p:cNvSpPr txBox="1">
-            <a:spLocks/>
-          </p:cNvSpPr>
-          <p:nvPr/>
-        </p:nvSpPr>
-        <p:spPr>
-          <a:xfrm>
-            <a:off x="1476064" y="534859"/>
-            <a:ext cx="9071640" cy="1262160"/>
-          </a:xfrm>
-          <a:prstGeom prst="rect">
-            <a:avLst/>
-          </a:prstGeom>
-        </p:spPr>
-        <p:txBody>
-          <a:bodyPr vert="horz" lIns="91440" tIns="45720" rIns="91440" bIns="45720" rtlCol="0" anchor="ctr">
-            <a:normAutofit/>
-          </a:bodyPr>
-          <a:lstStyle>
-            <a:lvl1pPr algn="l" defTabSz="914400" rtl="0" eaLnBrk="1" latinLnBrk="0" hangingPunct="1">
-              <a:lnSpc>
-                <a:spcPct val="90000"/>
-              </a:lnSpc>
-              <a:spcBef>
-                <a:spcPct val="0"/>
-              </a:spcBef>
-              <a:buNone/>
-              <a:defRPr sz="4400" kern="1200">
-                <a:solidFill>
-                  <a:schemeClr val="tx1"/>
-                </a:solidFill>
-                <a:latin typeface="+mj-lt"/>
-                <a:ea typeface="+mj-ea"/>
-                <a:cs typeface="+mj-cs"/>
-              </a:defRPr>
-            </a:lvl1pPr>
-          </a:lstStyle>
-          <a:p>
-            <a:pPr algn="ctr"/>
-            <a:r>
-              <a:rPr lang="pt-BR" dirty="0" smtClean="0">
-                <a:solidFill>
-                  <a:srgbClr val="007826"/>
-                </a:solidFill>
-                <a:latin typeface="Arial" pitchFamily="34"/>
-              </a:rPr>
-              <a:t>Referências</a:t>
-            </a:r>
-          </a:p>
-        </p:txBody>
-      </p:sp>
-      <p:sp>
-        <p:nvSpPr>
-          <p:cNvPr id="7" name="CaixaDeTexto 6"/>
-          <p:cNvSpPr txBox="1"/>
-          <p:nvPr/>
-        </p:nvSpPr>
-        <p:spPr>
-          <a:xfrm>
-            <a:off x="623075" y="2485589"/>
-            <a:ext cx="11261125" cy="2862322"/>
-          </a:xfrm>
-          <a:prstGeom prst="rect">
-            <a:avLst/>
-          </a:prstGeom>
-          <a:noFill/>
-        </p:spPr>
-        <p:txBody>
-          <a:bodyPr wrap="square" rtlCol="0">
-            <a:spAutoFit/>
-          </a:bodyPr>
-          <a:lstStyle/>
-          <a:p>
-            <a:r>
-              <a:rPr lang="pt-BR" dirty="0" smtClean="0"/>
-              <a:t>[1] </a:t>
-            </a:r>
-            <a:r>
-              <a:rPr lang="en-US" dirty="0" smtClean="0"/>
-              <a:t> David </a:t>
-            </a:r>
-            <a:r>
-              <a:rPr lang="en-US" dirty="0"/>
-              <a:t>G. Lowe. Object recognition from local scale-invariant features. pages 1150–, 1999. </a:t>
-            </a:r>
-            <a:r>
-              <a:rPr lang="en-US" dirty="0" smtClean="0"/>
-              <a:t>URL http</a:t>
-            </a:r>
-            <a:r>
-              <a:rPr lang="en-US" dirty="0"/>
-              <a:t>://dl.acm.org/citation.cfm?id=850924.851523. </a:t>
-            </a:r>
-            <a:endParaRPr lang="en-US" dirty="0" smtClean="0"/>
-          </a:p>
-          <a:p>
-            <a:endParaRPr lang="en-US" dirty="0"/>
-          </a:p>
-          <a:p>
-            <a:r>
-              <a:rPr lang="en-US" dirty="0" smtClean="0"/>
-              <a:t>[2] David </a:t>
-            </a:r>
-            <a:r>
-              <a:rPr lang="en-US" dirty="0"/>
-              <a:t>G. Lowe. Distinctive image features from scale-invariant </a:t>
-            </a:r>
-            <a:r>
-              <a:rPr lang="en-US" dirty="0" err="1"/>
-              <a:t>keypoints</a:t>
-            </a:r>
-            <a:r>
-              <a:rPr lang="en-US" dirty="0"/>
-              <a:t>. Int. J. </a:t>
-            </a:r>
-            <a:r>
-              <a:rPr lang="en-US" dirty="0" err="1"/>
-              <a:t>Comput</a:t>
-            </a:r>
-            <a:r>
-              <a:rPr lang="en-US" dirty="0"/>
-              <a:t>. Vision, 60(2):91–110, Nov. 2004. ISSN 0920-5691.</a:t>
-            </a:r>
-            <a:endParaRPr lang="en-US" dirty="0" smtClean="0"/>
-          </a:p>
-          <a:p>
-            <a:endParaRPr lang="en-US" dirty="0"/>
-          </a:p>
-          <a:p>
-            <a:r>
-              <a:rPr lang="en-US" dirty="0" smtClean="0"/>
-              <a:t>[</a:t>
-            </a:r>
-            <a:r>
-              <a:rPr lang="en-US" dirty="0"/>
-              <a:t>3</a:t>
-            </a:r>
-            <a:r>
-              <a:rPr lang="pt-BR" dirty="0" smtClean="0"/>
-              <a:t>] </a:t>
-            </a:r>
-            <a:r>
-              <a:rPr lang="pt-BR" dirty="0"/>
-              <a:t>K. </a:t>
-            </a:r>
-            <a:r>
-              <a:rPr lang="pt-BR" dirty="0" err="1"/>
-              <a:t>Mikolajczyk</a:t>
-            </a:r>
-            <a:r>
-              <a:rPr lang="pt-BR" dirty="0"/>
-              <a:t> </a:t>
-            </a:r>
-            <a:r>
-              <a:rPr lang="pt-BR" dirty="0" err="1"/>
-              <a:t>and</a:t>
-            </a:r>
-            <a:r>
-              <a:rPr lang="pt-BR" dirty="0"/>
-              <a:t> C. Schmid. </a:t>
-            </a:r>
-            <a:r>
-              <a:rPr lang="pt-BR" dirty="0" err="1"/>
-              <a:t>An</a:t>
-            </a:r>
-            <a:r>
-              <a:rPr lang="pt-BR" dirty="0"/>
-              <a:t> </a:t>
-            </a:r>
-            <a:r>
-              <a:rPr lang="pt-BR" dirty="0" err="1"/>
-              <a:t>affine</a:t>
-            </a:r>
-            <a:r>
-              <a:rPr lang="pt-BR" dirty="0"/>
-              <a:t> </a:t>
-            </a:r>
-            <a:r>
-              <a:rPr lang="pt-BR" dirty="0" err="1"/>
-              <a:t>invariant</a:t>
-            </a:r>
-            <a:r>
-              <a:rPr lang="pt-BR" dirty="0"/>
-              <a:t> </a:t>
-            </a:r>
-            <a:r>
-              <a:rPr lang="pt-BR" dirty="0" err="1"/>
-              <a:t>interest</a:t>
-            </a:r>
-            <a:r>
-              <a:rPr lang="pt-BR" dirty="0"/>
-              <a:t> point detector. In </a:t>
-            </a:r>
-            <a:r>
-              <a:rPr lang="pt-BR" dirty="0" err="1"/>
-              <a:t>Proceedings</a:t>
-            </a:r>
-            <a:r>
-              <a:rPr lang="pt-BR" dirty="0"/>
-              <a:t> of </a:t>
-            </a:r>
-            <a:r>
-              <a:rPr lang="pt-BR" dirty="0" err="1"/>
-              <a:t>the</a:t>
-            </a:r>
-            <a:r>
-              <a:rPr lang="pt-BR" dirty="0"/>
-              <a:t> 7th </a:t>
-            </a:r>
-            <a:r>
-              <a:rPr lang="pt-BR" dirty="0" err="1" smtClean="0"/>
-              <a:t>European</a:t>
-            </a:r>
-            <a:r>
-              <a:rPr lang="pt-BR" dirty="0"/>
-              <a:t> </a:t>
-            </a:r>
-            <a:r>
-              <a:rPr lang="pt-BR" dirty="0" err="1" smtClean="0"/>
-              <a:t>Conference</a:t>
-            </a:r>
-            <a:r>
-              <a:rPr lang="pt-BR" dirty="0" smtClean="0"/>
-              <a:t> </a:t>
-            </a:r>
-            <a:r>
-              <a:rPr lang="pt-BR" dirty="0" err="1"/>
-              <a:t>on</a:t>
-            </a:r>
-            <a:r>
-              <a:rPr lang="pt-BR" dirty="0"/>
-              <a:t> Computer Vision-</a:t>
-            </a:r>
-            <a:r>
-              <a:rPr lang="pt-BR" dirty="0" err="1"/>
-              <a:t>Part</a:t>
-            </a:r>
-            <a:r>
-              <a:rPr lang="pt-BR" dirty="0"/>
-              <a:t> I, ECCV ’02, </a:t>
-            </a:r>
-            <a:r>
-              <a:rPr lang="pt-BR" dirty="0" err="1"/>
-              <a:t>pages</a:t>
-            </a:r>
-            <a:r>
-              <a:rPr lang="pt-BR" dirty="0"/>
-              <a:t> 128–142, 40 London, UK, UK, 2002. </a:t>
-            </a:r>
-            <a:r>
-              <a:rPr lang="pt-BR" dirty="0" smtClean="0"/>
-              <a:t>Springer-</a:t>
-            </a:r>
-            <a:r>
-              <a:rPr lang="pt-BR" dirty="0" err="1" smtClean="0"/>
-              <a:t>Verlag</a:t>
-            </a:r>
-            <a:endParaRPr lang="pt-BR" dirty="0" smtClean="0"/>
-          </a:p>
-          <a:p>
-            <a:endParaRPr lang="en-US" dirty="0"/>
-          </a:p>
-          <a:p>
-            <a:r>
-              <a:rPr lang="en-US" dirty="0" smtClean="0"/>
-              <a:t>[4] </a:t>
-            </a:r>
-            <a:r>
-              <a:rPr lang="pt-BR" dirty="0"/>
-              <a:t>J. G. R. Maia. Detecção e reconhecimento de objetos utilizando descritores locais. Maio 2010</a:t>
-            </a:r>
-          </a:p>
-        </p:txBody>
-      </p:sp>
-    </p:spTree>
-    <p:extLst>
-      <p:ext uri="{BB962C8B-B14F-4D97-AF65-F5344CB8AC3E}">
-        <p14:creationId xmlns:p14="http://schemas.microsoft.com/office/powerpoint/2010/main" val="229417521"/>
-      </p:ext>
-    </p:extLst>
-  </p:cSld>
-  <p:clrMapOvr>
-    <a:masterClrMapping/>
-  </p:clrMapOvr>
-  <p:timing>
-    <p:tnLst>
-      <p:par>
-        <p:cTn id="1" dur="indefinite" restart="never" nodeType="tmRoot"/>
-      </p:par>
-    </p:tnLst>
-  </p:timing>
-</p:sld>
-</file>
-
 <file path=ppt/slides/slide18.xml><?xml version="1.0" encoding="utf-8"?>
 <p:sld xmlns:a="http://schemas.openxmlformats.org/drawingml/2006/main" xmlns:r="http://schemas.openxmlformats.org/officeDocument/2006/relationships" xmlns:p="http://schemas.openxmlformats.org/presentationml/2006/main">
   <p:cSld>
@@ -7455,7 +7564,7 @@
       </p:pic>
       <p:sp>
         <p:nvSpPr>
-          <p:cNvPr id="9" name="Título 1"/>
+          <p:cNvPr id="5" name="Título 1"/>
           <p:cNvSpPr txBox="1">
             <a:spLocks/>
           </p:cNvSpPr>
@@ -7463,7 +7572,7 @@
         </p:nvSpPr>
         <p:spPr>
           <a:xfrm>
-            <a:off x="2113794" y="588275"/>
+            <a:off x="1476064" y="534859"/>
             <a:ext cx="9071640" cy="1262160"/>
           </a:xfrm>
           <a:prstGeom prst="rect">
@@ -7472,7 +7581,7 @@
         </p:spPr>
         <p:txBody>
           <a:bodyPr vert="horz" lIns="91440" tIns="45720" rIns="91440" bIns="45720" rtlCol="0" anchor="ctr">
-            <a:normAutofit lnSpcReduction="10000"/>
+            <a:normAutofit/>
           </a:bodyPr>
           <a:lstStyle>
             <a:lvl1pPr algn="l" defTabSz="914400" rtl="0" eaLnBrk="1" latinLnBrk="0" hangingPunct="1">
@@ -7494,68 +7603,255 @@
             </a:lvl1pPr>
           </a:lstStyle>
           <a:p>
-            <a:r>
-              <a:rPr lang="pt-BR" sz="2600" dirty="0" smtClean="0">
+            <a:pPr algn="ctr"/>
+            <a:r>
+              <a:rPr lang="pt-BR" dirty="0" smtClean="0">
                 <a:solidFill>
                   <a:srgbClr val="007826"/>
                 </a:solidFill>
                 <a:latin typeface="Arial" pitchFamily="34"/>
               </a:rPr>
-              <a:t/>
-            </a:r>
-            <a:br>
-              <a:rPr lang="pt-BR" sz="2600" dirty="0" smtClean="0">
+              <a:t>Resultados esperados</a:t>
+            </a:r>
+          </a:p>
+        </p:txBody>
+      </p:sp>
+      <p:sp>
+        <p:nvSpPr>
+          <p:cNvPr id="7" name="CaixaDeTexto 6"/>
+          <p:cNvSpPr txBox="1"/>
+          <p:nvPr/>
+        </p:nvSpPr>
+        <p:spPr>
+          <a:xfrm>
+            <a:off x="601361" y="2913152"/>
+            <a:ext cx="11261125" cy="923330"/>
+          </a:xfrm>
+          <a:prstGeom prst="rect">
+            <a:avLst/>
+          </a:prstGeom>
+          <a:noFill/>
+        </p:spPr>
+        <p:txBody>
+          <a:bodyPr wrap="square" rtlCol="0">
+            <a:spAutoFit/>
+          </a:bodyPr>
+          <a:lstStyle/>
+          <a:p>
+            <a:pPr algn="ctr"/>
+            <a:r>
+              <a:rPr lang="pt-BR" dirty="0" smtClean="0"/>
+              <a:t>Pretende-se alcançar com este estudo a eficiência na identificação de </a:t>
+            </a:r>
+          </a:p>
+          <a:p>
+            <a:pPr algn="ctr"/>
+            <a:r>
+              <a:rPr lang="pt-BR" dirty="0"/>
+              <a:t>c</a:t>
+            </a:r>
+            <a:r>
+              <a:rPr lang="pt-BR" dirty="0" smtClean="0"/>
+              <a:t>aracterísticas chaves de objetos em ambientes de trabalho não controlados, </a:t>
+            </a:r>
+          </a:p>
+          <a:p>
+            <a:pPr algn="ctr"/>
+            <a:r>
+              <a:rPr lang="pt-BR" dirty="0"/>
+              <a:t>b</a:t>
+            </a:r>
+            <a:r>
+              <a:rPr lang="pt-BR" dirty="0" smtClean="0"/>
+              <a:t>em como a efetividade do sistema a ser desenvolvido.</a:t>
+            </a:r>
+            <a:endParaRPr lang="pt-BR" dirty="0"/>
+          </a:p>
+        </p:txBody>
+      </p:sp>
+    </p:spTree>
+    <p:extLst>
+      <p:ext uri="{BB962C8B-B14F-4D97-AF65-F5344CB8AC3E}">
+        <p14:creationId xmlns:p14="http://schemas.microsoft.com/office/powerpoint/2010/main" val="784342757"/>
+      </p:ext>
+    </p:extLst>
+  </p:cSld>
+  <p:clrMapOvr>
+    <a:masterClrMapping/>
+  </p:clrMapOvr>
+  <p:timing>
+    <p:tnLst>
+      <p:par>
+        <p:cTn id="1" dur="indefinite" restart="never" nodeType="tmRoot"/>
+      </p:par>
+    </p:tnLst>
+  </p:timing>
+</p:sld>
+</file>
+
+<file path=ppt/slides/slide19.xml><?xml version="1.0" encoding="utf-8"?>
+<p:sld xmlns:a="http://schemas.openxmlformats.org/drawingml/2006/main" xmlns:r="http://schemas.openxmlformats.org/officeDocument/2006/relationships" xmlns:p="http://schemas.openxmlformats.org/presentationml/2006/main">
+  <p:cSld>
+    <p:spTree>
+      <p:nvGrpSpPr>
+        <p:cNvPr id="1" name=""/>
+        <p:cNvGrpSpPr/>
+        <p:nvPr/>
+      </p:nvGrpSpPr>
+      <p:grpSpPr>
+        <a:xfrm>
+          <a:off x="0" y="0"/>
+          <a:ext cx="0" cy="0"/>
+          <a:chOff x="0" y="0"/>
+          <a:chExt cx="0" cy="0"/>
+        </a:xfrm>
+      </p:grpSpPr>
+      <p:pic>
+        <p:nvPicPr>
+          <p:cNvPr id="1028" name="Picture 4" descr="http://cc.uffs.edu.br/images/Computacao/logo.png"/>
+          <p:cNvPicPr>
+            <a:picLocks noChangeAspect="1" noChangeArrowheads="1"/>
+          </p:cNvPicPr>
+          <p:nvPr/>
+        </p:nvPicPr>
+        <p:blipFill>
+          <a:blip r:embed="rId2">
+            <a:extLst>
+              <a:ext uri="{28A0092B-C50C-407E-A947-70E740481C1C}">
+                <a14:useLocalDpi xmlns:a14="http://schemas.microsoft.com/office/drawing/2010/main" val="0"/>
+              </a:ext>
+            </a:extLst>
+          </a:blip>
+          <a:srcRect/>
+          <a:stretch>
+            <a:fillRect/>
+          </a:stretch>
+        </p:blipFill>
+        <p:spPr bwMode="auto">
+          <a:xfrm>
+            <a:off x="130861" y="153859"/>
+            <a:ext cx="2143125" cy="762000"/>
+          </a:xfrm>
+          <a:prstGeom prst="rect">
+            <a:avLst/>
+          </a:prstGeom>
+          <a:noFill/>
+          <a:extLst>
+            <a:ext uri="{909E8E84-426E-40DD-AFC4-6F175D3DCCD1}">
+              <a14:hiddenFill xmlns:a14="http://schemas.microsoft.com/office/drawing/2010/main">
+                <a:solidFill>
+                  <a:srgbClr val="FFFFFF"/>
+                </a:solidFill>
+              </a14:hiddenFill>
+            </a:ext>
+          </a:extLst>
+        </p:spPr>
+      </p:pic>
+      <p:pic>
+        <p:nvPicPr>
+          <p:cNvPr id="1034" name="Picture 10" descr="http://www.uffs.edu.br/index.php?option=com_docman&amp;task=doc_view&amp;gid=2863&amp;Itemid="/>
+          <p:cNvPicPr>
+            <a:picLocks noChangeAspect="1" noChangeArrowheads="1"/>
+          </p:cNvPicPr>
+          <p:nvPr/>
+        </p:nvPicPr>
+        <p:blipFill>
+          <a:blip r:embed="rId3" cstate="print">
+            <a:extLst>
+              <a:ext uri="{28A0092B-C50C-407E-A947-70E740481C1C}">
+                <a14:useLocalDpi xmlns:a14="http://schemas.microsoft.com/office/drawing/2010/main" val="0"/>
+              </a:ext>
+            </a:extLst>
+          </a:blip>
+          <a:srcRect/>
+          <a:stretch>
+            <a:fillRect/>
+          </a:stretch>
+        </p:blipFill>
+        <p:spPr bwMode="auto">
+          <a:xfrm>
+            <a:off x="11025241" y="98856"/>
+            <a:ext cx="734264" cy="1025611"/>
+          </a:xfrm>
+          <a:prstGeom prst="rect">
+            <a:avLst/>
+          </a:prstGeom>
+          <a:noFill/>
+          <a:extLst>
+            <a:ext uri="{909E8E84-426E-40DD-AFC4-6F175D3DCCD1}">
+              <a14:hiddenFill xmlns:a14="http://schemas.microsoft.com/office/drawing/2010/main">
+                <a:solidFill>
+                  <a:srgbClr val="FFFFFF"/>
+                </a:solidFill>
+              </a14:hiddenFill>
+            </a:ext>
+          </a:extLst>
+        </p:spPr>
+      </p:pic>
+      <p:sp>
+        <p:nvSpPr>
+          <p:cNvPr id="5" name="Título 1"/>
+          <p:cNvSpPr txBox="1">
+            <a:spLocks/>
+          </p:cNvSpPr>
+          <p:nvPr/>
+        </p:nvSpPr>
+        <p:spPr>
+          <a:xfrm>
+            <a:off x="1476064" y="534859"/>
+            <a:ext cx="9071640" cy="1262160"/>
+          </a:xfrm>
+          <a:prstGeom prst="rect">
+            <a:avLst/>
+          </a:prstGeom>
+        </p:spPr>
+        <p:txBody>
+          <a:bodyPr vert="horz" lIns="91440" tIns="45720" rIns="91440" bIns="45720" rtlCol="0" anchor="ctr">
+            <a:normAutofit/>
+          </a:bodyPr>
+          <a:lstStyle>
+            <a:lvl1pPr algn="l" defTabSz="914400" rtl="0" eaLnBrk="1" latinLnBrk="0" hangingPunct="1">
+              <a:lnSpc>
+                <a:spcPct val="90000"/>
+              </a:lnSpc>
+              <a:spcBef>
+                <a:spcPct val="0"/>
+              </a:spcBef>
+              <a:buNone/>
+              <a:defRPr sz="4400" kern="1200">
+                <a:solidFill>
+                  <a:schemeClr val="tx1"/>
+                </a:solidFill>
+                <a:latin typeface="+mj-lt"/>
+                <a:ea typeface="+mj-ea"/>
+                <a:cs typeface="+mj-cs"/>
+              </a:defRPr>
+            </a:lvl1pPr>
+          </a:lstStyle>
+          <a:p>
+            <a:pPr algn="ctr"/>
+            <a:r>
+              <a:rPr lang="pt-BR" dirty="0" smtClean="0">
                 <a:solidFill>
                   <a:srgbClr val="007826"/>
                 </a:solidFill>
                 <a:latin typeface="Arial" pitchFamily="34"/>
               </a:rPr>
-            </a:br>
-            <a:r>
-              <a:rPr lang="pt-BR" sz="2600" dirty="0" smtClean="0">
-                <a:solidFill>
-                  <a:srgbClr val="007826"/>
-                </a:solidFill>
-                <a:latin typeface="Arial" pitchFamily="34"/>
-              </a:rPr>
-              <a:t/>
-            </a:r>
-            <a:br>
-              <a:rPr lang="pt-BR" sz="2600" dirty="0" smtClean="0">
-                <a:solidFill>
-                  <a:srgbClr val="007826"/>
-                </a:solidFill>
-                <a:latin typeface="Arial" pitchFamily="34"/>
-              </a:rPr>
-            </a:br>
-            <a:r>
-              <a:rPr lang="pt-BR" sz="3600" dirty="0" smtClean="0">
-                <a:solidFill>
-                  <a:srgbClr val="007826"/>
-                </a:solidFill>
-                <a:latin typeface="Arial" pitchFamily="34"/>
-              </a:rPr>
-              <a:t>Universidade Federal da Fronteira Sul</a:t>
-            </a:r>
-            <a:endParaRPr lang="pt-BR" sz="3600" dirty="0">
-              <a:solidFill>
-                <a:srgbClr val="007826"/>
-              </a:solidFill>
-              <a:latin typeface="Arial" pitchFamily="34"/>
-            </a:endParaRPr>
-          </a:p>
-        </p:txBody>
-      </p:sp>
-      <p:sp>
-        <p:nvSpPr>
-          <p:cNvPr id="6" name="CaixaDeTexto 5"/>
+              <a:t>Referências</a:t>
+            </a:r>
+          </a:p>
+        </p:txBody>
+      </p:sp>
+      <p:sp>
+        <p:nvSpPr>
+          <p:cNvPr id="7" name="CaixaDeTexto 6"/>
           <p:cNvSpPr txBox="1"/>
           <p:nvPr/>
         </p:nvSpPr>
         <p:spPr>
           <a:xfrm>
-            <a:off x="4934725" y="5533303"/>
-            <a:ext cx="2845652" cy="800219"/>
+            <a:off x="623075" y="2485589"/>
+            <a:ext cx="11261125" cy="2862322"/>
           </a:xfrm>
           <a:prstGeom prst="rect">
             <a:avLst/>
@@ -7563,177 +7859,216 @@
           <a:noFill/>
         </p:spPr>
         <p:txBody>
-          <a:bodyPr wrap="none" rtlCol="0">
-            <a:spAutoFit/>
-          </a:bodyPr>
-          <a:lstStyle/>
-          <a:p>
-            <a:pPr algn="ctr"/>
-            <a:r>
-              <a:rPr lang="pt-BR" sz="2800" dirty="0" smtClean="0">
-                <a:latin typeface="Arial" panose="020B0604020202020204" pitchFamily="34" charset="0"/>
-                <a:cs typeface="Arial" panose="020B0604020202020204" pitchFamily="34" charset="0"/>
-              </a:rPr>
-              <a:t>Rodrigo Levinski</a:t>
-            </a:r>
-          </a:p>
-          <a:p>
-            <a:pPr algn="ctr"/>
-            <a:r>
-              <a:rPr lang="pt-BR" dirty="0" smtClean="0">
-                <a:latin typeface="Arial" panose="020B0604020202020204" pitchFamily="34" charset="0"/>
-                <a:cs typeface="Arial" panose="020B0604020202020204" pitchFamily="34" charset="0"/>
-              </a:rPr>
-              <a:t>rd.levinski@gmail.com</a:t>
-            </a:r>
-            <a:endParaRPr lang="pt-BR" dirty="0">
-              <a:latin typeface="Arial" panose="020B0604020202020204" pitchFamily="34" charset="0"/>
-              <a:cs typeface="Arial" panose="020B0604020202020204" pitchFamily="34" charset="0"/>
-            </a:endParaRPr>
-          </a:p>
-        </p:txBody>
-      </p:sp>
-      <p:sp>
-        <p:nvSpPr>
-          <p:cNvPr id="7" name="Retângulo 6"/>
-          <p:cNvSpPr/>
-          <p:nvPr/>
-        </p:nvSpPr>
-        <p:spPr>
-          <a:xfrm>
-            <a:off x="4527563" y="6333522"/>
-            <a:ext cx="3659976" cy="369332"/>
-          </a:xfrm>
-          <a:prstGeom prst="rect">
-            <a:avLst/>
-          </a:prstGeom>
-        </p:spPr>
-        <p:txBody>
-          <a:bodyPr wrap="none">
-            <a:spAutoFit/>
-          </a:bodyPr>
-          <a:lstStyle/>
-          <a:p>
-            <a:r>
-              <a:rPr lang="pt-BR" dirty="0" smtClean="0">
-                <a:effectLst/>
-                <a:latin typeface="Times New Roman" panose="02020603050405020304" pitchFamily="18" charset="0"/>
-                <a:ea typeface="Times New Roman" panose="02020603050405020304" pitchFamily="18" charset="0"/>
-              </a:rPr>
-              <a:t>Orientador: Prof. </a:t>
-            </a:r>
-            <a:r>
-              <a:rPr lang="pt-BR" dirty="0" err="1" smtClean="0">
-                <a:effectLst/>
-                <a:latin typeface="Times New Roman" panose="02020603050405020304" pitchFamily="18" charset="0"/>
-                <a:ea typeface="Times New Roman" panose="02020603050405020304" pitchFamily="18" charset="0"/>
-              </a:rPr>
-              <a:t>Claunir</a:t>
-            </a:r>
-            <a:r>
-              <a:rPr lang="pt-BR" dirty="0" smtClean="0">
-                <a:effectLst/>
-                <a:latin typeface="Times New Roman" panose="02020603050405020304" pitchFamily="18" charset="0"/>
-                <a:ea typeface="Times New Roman" panose="02020603050405020304" pitchFamily="18" charset="0"/>
-              </a:rPr>
-              <a:t> Pavan, PhD</a:t>
-            </a:r>
-            <a:endParaRPr lang="pt-BR" dirty="0"/>
-          </a:p>
-        </p:txBody>
-      </p:sp>
-      <p:sp>
-        <p:nvSpPr>
-          <p:cNvPr id="8" name="CaixaDeTexto 7"/>
-          <p:cNvSpPr txBox="1"/>
-          <p:nvPr/>
-        </p:nvSpPr>
-        <p:spPr>
-          <a:xfrm>
-            <a:off x="1371599" y="4015792"/>
-            <a:ext cx="9971904" cy="1015663"/>
-          </a:xfrm>
-          <a:prstGeom prst="rect">
-            <a:avLst/>
-          </a:prstGeom>
-          <a:noFill/>
-        </p:spPr>
-        <p:txBody>
           <a:bodyPr wrap="square" rtlCol="0">
             <a:spAutoFit/>
           </a:bodyPr>
           <a:lstStyle/>
           <a:p>
-            <a:pPr algn="ctr"/>
-            <a:r>
-              <a:rPr lang="pt-BR" sz="6000" dirty="0" smtClean="0">
-                <a:latin typeface="Arial" panose="020B0604020202020204" pitchFamily="34" charset="0"/>
-                <a:cs typeface="Arial" panose="020B0604020202020204" pitchFamily="34" charset="0"/>
-              </a:rPr>
-              <a:t>Obrigado.</a:t>
-            </a:r>
-            <a:endParaRPr lang="pt-BR" sz="6000" dirty="0">
-              <a:latin typeface="Arial" panose="020B0604020202020204" pitchFamily="34" charset="0"/>
-              <a:cs typeface="Arial" panose="020B0604020202020204" pitchFamily="34" charset="0"/>
-            </a:endParaRPr>
-          </a:p>
-        </p:txBody>
-      </p:sp>
-      <p:sp>
-        <p:nvSpPr>
-          <p:cNvPr id="10" name="CaixaDeTexto 9"/>
-          <p:cNvSpPr txBox="1"/>
-          <p:nvPr/>
-        </p:nvSpPr>
-        <p:spPr>
-          <a:xfrm>
-            <a:off x="1110048" y="2367796"/>
-            <a:ext cx="10495006" cy="1077218"/>
-          </a:xfrm>
-          <a:prstGeom prst="rect">
-            <a:avLst/>
-          </a:prstGeom>
-          <a:noFill/>
-        </p:spPr>
-        <p:txBody>
-          <a:bodyPr wrap="square" rtlCol="0">
-            <a:spAutoFit/>
-          </a:bodyPr>
-          <a:lstStyle/>
-          <a:p>
-            <a:pPr algn="ctr"/>
-            <a:r>
-              <a:rPr lang="pt-BR" sz="3200" dirty="0" smtClean="0">
-                <a:latin typeface="Arial" panose="020B0604020202020204" pitchFamily="34" charset="0"/>
-                <a:cs typeface="Arial" panose="020B0604020202020204" pitchFamily="34" charset="0"/>
-              </a:rPr>
-              <a:t>Desenvolvimento de um sistema para </a:t>
-            </a:r>
-            <a:r>
-              <a:rPr lang="pt-BR" sz="3200" dirty="0" smtClean="0">
-                <a:latin typeface="Arial" panose="020B0604020202020204" pitchFamily="34" charset="0"/>
-                <a:cs typeface="Arial" panose="020B0604020202020204" pitchFamily="34" charset="0"/>
-              </a:rPr>
-              <a:t>reconhecimento </a:t>
-            </a:r>
-            <a:r>
-              <a:rPr lang="pt-BR" sz="3200" dirty="0" smtClean="0">
-                <a:latin typeface="Arial" panose="020B0604020202020204" pitchFamily="34" charset="0"/>
-                <a:cs typeface="Arial" panose="020B0604020202020204" pitchFamily="34" charset="0"/>
-              </a:rPr>
-              <a:t>de objetos utilizando visão computacional </a:t>
-            </a:r>
-            <a:endParaRPr lang="pt-BR" sz="3200" dirty="0">
-              <a:latin typeface="Arial" panose="020B0604020202020204" pitchFamily="34" charset="0"/>
-              <a:cs typeface="Arial" panose="020B0604020202020204" pitchFamily="34" charset="0"/>
-            </a:endParaRPr>
+            <a:r>
+              <a:rPr lang="pt-BR" dirty="0" smtClean="0"/>
+              <a:t>[1] </a:t>
+            </a:r>
+            <a:r>
+              <a:rPr lang="en-US" dirty="0" smtClean="0"/>
+              <a:t> David </a:t>
+            </a:r>
+            <a:r>
+              <a:rPr lang="en-US" dirty="0"/>
+              <a:t>G. Lowe. Object recognition from local scale-invariant features. pages 1150–, 1999. </a:t>
+            </a:r>
+            <a:r>
+              <a:rPr lang="en-US" dirty="0" smtClean="0"/>
+              <a:t>URL http</a:t>
+            </a:r>
+            <a:r>
+              <a:rPr lang="en-US" dirty="0"/>
+              <a:t>://dl.acm.org/citation.cfm?id=850924.851523. </a:t>
+            </a:r>
+            <a:endParaRPr lang="en-US" dirty="0" smtClean="0"/>
+          </a:p>
+          <a:p>
+            <a:endParaRPr lang="en-US" dirty="0"/>
+          </a:p>
+          <a:p>
+            <a:r>
+              <a:rPr lang="en-US" dirty="0" smtClean="0"/>
+              <a:t>[2] David </a:t>
+            </a:r>
+            <a:r>
+              <a:rPr lang="en-US" dirty="0"/>
+              <a:t>G. Lowe. Distinctive image features from scale-invariant </a:t>
+            </a:r>
+            <a:r>
+              <a:rPr lang="en-US" dirty="0" err="1"/>
+              <a:t>keypoints</a:t>
+            </a:r>
+            <a:r>
+              <a:rPr lang="en-US" dirty="0"/>
+              <a:t>. Int. J. </a:t>
+            </a:r>
+            <a:r>
+              <a:rPr lang="en-US" dirty="0" err="1"/>
+              <a:t>Comput</a:t>
+            </a:r>
+            <a:r>
+              <a:rPr lang="en-US" dirty="0"/>
+              <a:t>. Vision, 60(2):91–110, Nov. 2004. ISSN 0920-5691.</a:t>
+            </a:r>
+            <a:endParaRPr lang="en-US" dirty="0" smtClean="0"/>
+          </a:p>
+          <a:p>
+            <a:endParaRPr lang="en-US" dirty="0"/>
+          </a:p>
+          <a:p>
+            <a:r>
+              <a:rPr lang="en-US" dirty="0" smtClean="0"/>
+              <a:t>[</a:t>
+            </a:r>
+            <a:r>
+              <a:rPr lang="en-US" dirty="0"/>
+              <a:t>3</a:t>
+            </a:r>
+            <a:r>
+              <a:rPr lang="pt-BR" dirty="0" smtClean="0"/>
+              <a:t>] </a:t>
+            </a:r>
+            <a:r>
+              <a:rPr lang="pt-BR" dirty="0"/>
+              <a:t>K. </a:t>
+            </a:r>
+            <a:r>
+              <a:rPr lang="pt-BR" dirty="0" err="1"/>
+              <a:t>Mikolajczyk</a:t>
+            </a:r>
+            <a:r>
+              <a:rPr lang="pt-BR" dirty="0"/>
+              <a:t> </a:t>
+            </a:r>
+            <a:r>
+              <a:rPr lang="pt-BR" dirty="0" err="1"/>
+              <a:t>and</a:t>
+            </a:r>
+            <a:r>
+              <a:rPr lang="pt-BR" dirty="0"/>
+              <a:t> C. Schmid. </a:t>
+            </a:r>
+            <a:r>
+              <a:rPr lang="pt-BR" dirty="0" err="1"/>
+              <a:t>An</a:t>
+            </a:r>
+            <a:r>
+              <a:rPr lang="pt-BR" dirty="0"/>
+              <a:t> </a:t>
+            </a:r>
+            <a:r>
+              <a:rPr lang="pt-BR" dirty="0" err="1"/>
+              <a:t>affine</a:t>
+            </a:r>
+            <a:r>
+              <a:rPr lang="pt-BR" dirty="0"/>
+              <a:t> </a:t>
+            </a:r>
+            <a:r>
+              <a:rPr lang="pt-BR" dirty="0" err="1"/>
+              <a:t>invariant</a:t>
+            </a:r>
+            <a:r>
+              <a:rPr lang="pt-BR" dirty="0"/>
+              <a:t> </a:t>
+            </a:r>
+            <a:r>
+              <a:rPr lang="pt-BR" dirty="0" err="1"/>
+              <a:t>interest</a:t>
+            </a:r>
+            <a:r>
+              <a:rPr lang="pt-BR" dirty="0"/>
+              <a:t> point detector. In </a:t>
+            </a:r>
+            <a:r>
+              <a:rPr lang="pt-BR" dirty="0" err="1"/>
+              <a:t>Proceedings</a:t>
+            </a:r>
+            <a:r>
+              <a:rPr lang="pt-BR" dirty="0"/>
+              <a:t> of </a:t>
+            </a:r>
+            <a:r>
+              <a:rPr lang="pt-BR" dirty="0" err="1"/>
+              <a:t>the</a:t>
+            </a:r>
+            <a:r>
+              <a:rPr lang="pt-BR" dirty="0"/>
+              <a:t> 7th </a:t>
+            </a:r>
+            <a:r>
+              <a:rPr lang="pt-BR" dirty="0" err="1" smtClean="0"/>
+              <a:t>European</a:t>
+            </a:r>
+            <a:r>
+              <a:rPr lang="pt-BR" dirty="0"/>
+              <a:t> </a:t>
+            </a:r>
+            <a:r>
+              <a:rPr lang="pt-BR" dirty="0" err="1" smtClean="0"/>
+              <a:t>Conference</a:t>
+            </a:r>
+            <a:r>
+              <a:rPr lang="pt-BR" dirty="0" smtClean="0"/>
+              <a:t> </a:t>
+            </a:r>
+            <a:r>
+              <a:rPr lang="pt-BR" dirty="0" err="1"/>
+              <a:t>on</a:t>
+            </a:r>
+            <a:r>
+              <a:rPr lang="pt-BR" dirty="0"/>
+              <a:t> Computer Vision-</a:t>
+            </a:r>
+            <a:r>
+              <a:rPr lang="pt-BR" dirty="0" err="1"/>
+              <a:t>Part</a:t>
+            </a:r>
+            <a:r>
+              <a:rPr lang="pt-BR" dirty="0"/>
+              <a:t> I, ECCV ’02, </a:t>
+            </a:r>
+            <a:r>
+              <a:rPr lang="pt-BR" dirty="0" err="1"/>
+              <a:t>pages</a:t>
+            </a:r>
+            <a:r>
+              <a:rPr lang="pt-BR" dirty="0"/>
+              <a:t> 128–142, 40 London, UK, UK, 2002. </a:t>
+            </a:r>
+            <a:r>
+              <a:rPr lang="pt-BR" dirty="0" smtClean="0"/>
+              <a:t>Springer-</a:t>
+            </a:r>
+            <a:r>
+              <a:rPr lang="pt-BR" dirty="0" err="1" smtClean="0"/>
+              <a:t>Verlag</a:t>
+            </a:r>
+            <a:endParaRPr lang="pt-BR" dirty="0" smtClean="0"/>
+          </a:p>
+          <a:p>
+            <a:endParaRPr lang="en-US" dirty="0"/>
+          </a:p>
+          <a:p>
+            <a:r>
+              <a:rPr lang="en-US" dirty="0" smtClean="0"/>
+              <a:t>[4] </a:t>
+            </a:r>
+            <a:r>
+              <a:rPr lang="pt-BR" dirty="0"/>
+              <a:t>J. G. R. Maia. Detecção e reconhecimento de objetos utilizando descritores locais. Maio 2010</a:t>
+            </a:r>
           </a:p>
         </p:txBody>
       </p:sp>
     </p:spTree>
     <p:extLst>
       <p:ext uri="{BB962C8B-B14F-4D97-AF65-F5344CB8AC3E}">
-        <p14:creationId xmlns:p14="http://schemas.microsoft.com/office/powerpoint/2010/main" val="1987731194"/>
+        <p14:creationId xmlns:p14="http://schemas.microsoft.com/office/powerpoint/2010/main" val="229417521"/>
       </p:ext>
     </p:extLst>
   </p:cSld>
@@ -7970,13 +8305,8 @@
             </a:r>
             <a:r>
               <a:rPr lang="pt-BR" dirty="0" smtClean="0"/>
-              <a:t>em ambientes não </a:t>
-            </a:r>
-            <a:r>
-              <a:rPr lang="pt-BR" dirty="0" smtClean="0"/>
-              <a:t>controlados.</a:t>
-            </a:r>
-            <a:endParaRPr lang="pt-BR" dirty="0" smtClean="0"/>
+              <a:t>em ambientes não controlados.</a:t>
+            </a:r>
           </a:p>
         </p:txBody>
       </p:sp>
@@ -7984,6 +8314,388 @@
     <p:extLst>
       <p:ext uri="{BB962C8B-B14F-4D97-AF65-F5344CB8AC3E}">
         <p14:creationId xmlns:p14="http://schemas.microsoft.com/office/powerpoint/2010/main" val="532504978"/>
+      </p:ext>
+    </p:extLst>
+  </p:cSld>
+  <p:clrMapOvr>
+    <a:masterClrMapping/>
+  </p:clrMapOvr>
+  <p:timing>
+    <p:tnLst>
+      <p:par>
+        <p:cTn id="1" dur="indefinite" restart="never" nodeType="tmRoot"/>
+      </p:par>
+    </p:tnLst>
+  </p:timing>
+</p:sld>
+</file>
+
+<file path=ppt/slides/slide20.xml><?xml version="1.0" encoding="utf-8"?>
+<p:sld xmlns:a="http://schemas.openxmlformats.org/drawingml/2006/main" xmlns:r="http://schemas.openxmlformats.org/officeDocument/2006/relationships" xmlns:p="http://schemas.openxmlformats.org/presentationml/2006/main">
+  <p:cSld>
+    <p:spTree>
+      <p:nvGrpSpPr>
+        <p:cNvPr id="1" name=""/>
+        <p:cNvGrpSpPr/>
+        <p:nvPr/>
+      </p:nvGrpSpPr>
+      <p:grpSpPr>
+        <a:xfrm>
+          <a:off x="0" y="0"/>
+          <a:ext cx="0" cy="0"/>
+          <a:chOff x="0" y="0"/>
+          <a:chExt cx="0" cy="0"/>
+        </a:xfrm>
+      </p:grpSpPr>
+      <p:pic>
+        <p:nvPicPr>
+          <p:cNvPr id="1028" name="Picture 4" descr="http://cc.uffs.edu.br/images/Computacao/logo.png"/>
+          <p:cNvPicPr>
+            <a:picLocks noChangeAspect="1" noChangeArrowheads="1"/>
+          </p:cNvPicPr>
+          <p:nvPr/>
+        </p:nvPicPr>
+        <p:blipFill>
+          <a:blip r:embed="rId2">
+            <a:extLst>
+              <a:ext uri="{28A0092B-C50C-407E-A947-70E740481C1C}">
+                <a14:useLocalDpi xmlns:a14="http://schemas.microsoft.com/office/drawing/2010/main" val="0"/>
+              </a:ext>
+            </a:extLst>
+          </a:blip>
+          <a:srcRect/>
+          <a:stretch>
+            <a:fillRect/>
+          </a:stretch>
+        </p:blipFill>
+        <p:spPr bwMode="auto">
+          <a:xfrm>
+            <a:off x="130861" y="153859"/>
+            <a:ext cx="2143125" cy="762000"/>
+          </a:xfrm>
+          <a:prstGeom prst="rect">
+            <a:avLst/>
+          </a:prstGeom>
+          <a:noFill/>
+          <a:extLst>
+            <a:ext uri="{909E8E84-426E-40DD-AFC4-6F175D3DCCD1}">
+              <a14:hiddenFill xmlns:a14="http://schemas.microsoft.com/office/drawing/2010/main">
+                <a:solidFill>
+                  <a:srgbClr val="FFFFFF"/>
+                </a:solidFill>
+              </a14:hiddenFill>
+            </a:ext>
+          </a:extLst>
+        </p:spPr>
+      </p:pic>
+      <p:pic>
+        <p:nvPicPr>
+          <p:cNvPr id="1034" name="Picture 10" descr="http://www.uffs.edu.br/index.php?option=com_docman&amp;task=doc_view&amp;gid=2863&amp;Itemid="/>
+          <p:cNvPicPr>
+            <a:picLocks noChangeAspect="1" noChangeArrowheads="1"/>
+          </p:cNvPicPr>
+          <p:nvPr/>
+        </p:nvPicPr>
+        <p:blipFill>
+          <a:blip r:embed="rId3" cstate="print">
+            <a:extLst>
+              <a:ext uri="{28A0092B-C50C-407E-A947-70E740481C1C}">
+                <a14:useLocalDpi xmlns:a14="http://schemas.microsoft.com/office/drawing/2010/main" val="0"/>
+              </a:ext>
+            </a:extLst>
+          </a:blip>
+          <a:srcRect/>
+          <a:stretch>
+            <a:fillRect/>
+          </a:stretch>
+        </p:blipFill>
+        <p:spPr bwMode="auto">
+          <a:xfrm>
+            <a:off x="11025241" y="98856"/>
+            <a:ext cx="734264" cy="1025611"/>
+          </a:xfrm>
+          <a:prstGeom prst="rect">
+            <a:avLst/>
+          </a:prstGeom>
+          <a:noFill/>
+          <a:extLst>
+            <a:ext uri="{909E8E84-426E-40DD-AFC4-6F175D3DCCD1}">
+              <a14:hiddenFill xmlns:a14="http://schemas.microsoft.com/office/drawing/2010/main">
+                <a:solidFill>
+                  <a:srgbClr val="FFFFFF"/>
+                </a:solidFill>
+              </a14:hiddenFill>
+            </a:ext>
+          </a:extLst>
+        </p:spPr>
+      </p:pic>
+      <p:sp>
+        <p:nvSpPr>
+          <p:cNvPr id="9" name="Título 1"/>
+          <p:cNvSpPr txBox="1">
+            <a:spLocks/>
+          </p:cNvSpPr>
+          <p:nvPr/>
+        </p:nvSpPr>
+        <p:spPr>
+          <a:xfrm>
+            <a:off x="2113794" y="588275"/>
+            <a:ext cx="9071640" cy="1262160"/>
+          </a:xfrm>
+          <a:prstGeom prst="rect">
+            <a:avLst/>
+          </a:prstGeom>
+        </p:spPr>
+        <p:txBody>
+          <a:bodyPr vert="horz" lIns="91440" tIns="45720" rIns="91440" bIns="45720" rtlCol="0" anchor="ctr">
+            <a:normAutofit lnSpcReduction="10000"/>
+          </a:bodyPr>
+          <a:lstStyle>
+            <a:lvl1pPr algn="l" defTabSz="914400" rtl="0" eaLnBrk="1" latinLnBrk="0" hangingPunct="1">
+              <a:lnSpc>
+                <a:spcPct val="90000"/>
+              </a:lnSpc>
+              <a:spcBef>
+                <a:spcPct val="0"/>
+              </a:spcBef>
+              <a:buNone/>
+              <a:defRPr sz="4400" kern="1200">
+                <a:solidFill>
+                  <a:schemeClr val="tx1"/>
+                </a:solidFill>
+                <a:latin typeface="+mj-lt"/>
+                <a:ea typeface="+mj-ea"/>
+                <a:cs typeface="+mj-cs"/>
+              </a:defRPr>
+            </a:lvl1pPr>
+          </a:lstStyle>
+          <a:p>
+            <a:r>
+              <a:rPr lang="pt-BR" sz="2600" dirty="0" smtClean="0">
+                <a:solidFill>
+                  <a:srgbClr val="007826"/>
+                </a:solidFill>
+                <a:latin typeface="Arial" pitchFamily="34"/>
+              </a:rPr>
+              <a:t/>
+            </a:r>
+            <a:br>
+              <a:rPr lang="pt-BR" sz="2600" dirty="0" smtClean="0">
+                <a:solidFill>
+                  <a:srgbClr val="007826"/>
+                </a:solidFill>
+                <a:latin typeface="Arial" pitchFamily="34"/>
+              </a:rPr>
+            </a:br>
+            <a:r>
+              <a:rPr lang="pt-BR" sz="2600" dirty="0" smtClean="0">
+                <a:solidFill>
+                  <a:srgbClr val="007826"/>
+                </a:solidFill>
+                <a:latin typeface="Arial" pitchFamily="34"/>
+              </a:rPr>
+              <a:t/>
+            </a:r>
+            <a:br>
+              <a:rPr lang="pt-BR" sz="2600" dirty="0" smtClean="0">
+                <a:solidFill>
+                  <a:srgbClr val="007826"/>
+                </a:solidFill>
+                <a:latin typeface="Arial" pitchFamily="34"/>
+              </a:rPr>
+            </a:br>
+            <a:r>
+              <a:rPr lang="pt-BR" sz="3600" dirty="0" smtClean="0">
+                <a:solidFill>
+                  <a:srgbClr val="007826"/>
+                </a:solidFill>
+                <a:latin typeface="Arial" pitchFamily="34"/>
+              </a:rPr>
+              <a:t>Universidade Federal da Fronteira Sul</a:t>
+            </a:r>
+            <a:endParaRPr lang="pt-BR" sz="3600" dirty="0">
+              <a:solidFill>
+                <a:srgbClr val="007826"/>
+              </a:solidFill>
+              <a:latin typeface="Arial" pitchFamily="34"/>
+            </a:endParaRPr>
+          </a:p>
+        </p:txBody>
+      </p:sp>
+      <p:sp>
+        <p:nvSpPr>
+          <p:cNvPr id="6" name="CaixaDeTexto 5"/>
+          <p:cNvSpPr txBox="1"/>
+          <p:nvPr/>
+        </p:nvSpPr>
+        <p:spPr>
+          <a:xfrm>
+            <a:off x="4934725" y="5533303"/>
+            <a:ext cx="2845652" cy="800219"/>
+          </a:xfrm>
+          <a:prstGeom prst="rect">
+            <a:avLst/>
+          </a:prstGeom>
+          <a:noFill/>
+        </p:spPr>
+        <p:txBody>
+          <a:bodyPr wrap="none" rtlCol="0">
+            <a:spAutoFit/>
+          </a:bodyPr>
+          <a:lstStyle/>
+          <a:p>
+            <a:pPr algn="ctr"/>
+            <a:r>
+              <a:rPr lang="pt-BR" sz="2800" dirty="0" smtClean="0">
+                <a:latin typeface="Arial" panose="020B0604020202020204" pitchFamily="34" charset="0"/>
+                <a:cs typeface="Arial" panose="020B0604020202020204" pitchFamily="34" charset="0"/>
+              </a:rPr>
+              <a:t>Rodrigo Levinski</a:t>
+            </a:r>
+          </a:p>
+          <a:p>
+            <a:pPr algn="ctr"/>
+            <a:r>
+              <a:rPr lang="pt-BR" dirty="0" smtClean="0">
+                <a:latin typeface="Arial" panose="020B0604020202020204" pitchFamily="34" charset="0"/>
+                <a:cs typeface="Arial" panose="020B0604020202020204" pitchFamily="34" charset="0"/>
+              </a:rPr>
+              <a:t>rd.levinski@gmail.com</a:t>
+            </a:r>
+            <a:endParaRPr lang="pt-BR" dirty="0">
+              <a:latin typeface="Arial" panose="020B0604020202020204" pitchFamily="34" charset="0"/>
+              <a:cs typeface="Arial" panose="020B0604020202020204" pitchFamily="34" charset="0"/>
+            </a:endParaRPr>
+          </a:p>
+        </p:txBody>
+      </p:sp>
+      <p:sp>
+        <p:nvSpPr>
+          <p:cNvPr id="7" name="Retângulo 6"/>
+          <p:cNvSpPr/>
+          <p:nvPr/>
+        </p:nvSpPr>
+        <p:spPr>
+          <a:xfrm>
+            <a:off x="4527563" y="6333522"/>
+            <a:ext cx="3659976" cy="369332"/>
+          </a:xfrm>
+          <a:prstGeom prst="rect">
+            <a:avLst/>
+          </a:prstGeom>
+        </p:spPr>
+        <p:txBody>
+          <a:bodyPr wrap="none">
+            <a:spAutoFit/>
+          </a:bodyPr>
+          <a:lstStyle/>
+          <a:p>
+            <a:r>
+              <a:rPr lang="pt-BR" dirty="0" smtClean="0">
+                <a:effectLst/>
+                <a:latin typeface="Times New Roman" panose="02020603050405020304" pitchFamily="18" charset="0"/>
+                <a:ea typeface="Times New Roman" panose="02020603050405020304" pitchFamily="18" charset="0"/>
+              </a:rPr>
+              <a:t>Orientador: Prof. </a:t>
+            </a:r>
+            <a:r>
+              <a:rPr lang="pt-BR" dirty="0" err="1" smtClean="0">
+                <a:effectLst/>
+                <a:latin typeface="Times New Roman" panose="02020603050405020304" pitchFamily="18" charset="0"/>
+                <a:ea typeface="Times New Roman" panose="02020603050405020304" pitchFamily="18" charset="0"/>
+              </a:rPr>
+              <a:t>Claunir</a:t>
+            </a:r>
+            <a:r>
+              <a:rPr lang="pt-BR" dirty="0" smtClean="0">
+                <a:effectLst/>
+                <a:latin typeface="Times New Roman" panose="02020603050405020304" pitchFamily="18" charset="0"/>
+                <a:ea typeface="Times New Roman" panose="02020603050405020304" pitchFamily="18" charset="0"/>
+              </a:rPr>
+              <a:t> Pavan, PhD</a:t>
+            </a:r>
+            <a:endParaRPr lang="pt-BR" dirty="0"/>
+          </a:p>
+        </p:txBody>
+      </p:sp>
+      <p:sp>
+        <p:nvSpPr>
+          <p:cNvPr id="8" name="CaixaDeTexto 7"/>
+          <p:cNvSpPr txBox="1"/>
+          <p:nvPr/>
+        </p:nvSpPr>
+        <p:spPr>
+          <a:xfrm>
+            <a:off x="1371599" y="4015792"/>
+            <a:ext cx="9971904" cy="1015663"/>
+          </a:xfrm>
+          <a:prstGeom prst="rect">
+            <a:avLst/>
+          </a:prstGeom>
+          <a:noFill/>
+        </p:spPr>
+        <p:txBody>
+          <a:bodyPr wrap="square" rtlCol="0">
+            <a:spAutoFit/>
+          </a:bodyPr>
+          <a:lstStyle/>
+          <a:p>
+            <a:pPr algn="ctr"/>
+            <a:r>
+              <a:rPr lang="pt-BR" sz="6000" dirty="0" smtClean="0">
+                <a:latin typeface="Arial" panose="020B0604020202020204" pitchFamily="34" charset="0"/>
+                <a:cs typeface="Arial" panose="020B0604020202020204" pitchFamily="34" charset="0"/>
+              </a:rPr>
+              <a:t>Obrigado.</a:t>
+            </a:r>
+            <a:endParaRPr lang="pt-BR" sz="6000" dirty="0">
+              <a:latin typeface="Arial" panose="020B0604020202020204" pitchFamily="34" charset="0"/>
+              <a:cs typeface="Arial" panose="020B0604020202020204" pitchFamily="34" charset="0"/>
+            </a:endParaRPr>
+          </a:p>
+        </p:txBody>
+      </p:sp>
+      <p:sp>
+        <p:nvSpPr>
+          <p:cNvPr id="10" name="CaixaDeTexto 9"/>
+          <p:cNvSpPr txBox="1"/>
+          <p:nvPr/>
+        </p:nvSpPr>
+        <p:spPr>
+          <a:xfrm>
+            <a:off x="1110048" y="2367796"/>
+            <a:ext cx="10495006" cy="1077218"/>
+          </a:xfrm>
+          <a:prstGeom prst="rect">
+            <a:avLst/>
+          </a:prstGeom>
+          <a:noFill/>
+        </p:spPr>
+        <p:txBody>
+          <a:bodyPr wrap="square" rtlCol="0">
+            <a:spAutoFit/>
+          </a:bodyPr>
+          <a:lstStyle/>
+          <a:p>
+            <a:pPr algn="ctr"/>
+            <a:r>
+              <a:rPr lang="pt-BR" sz="3200" dirty="0" smtClean="0">
+                <a:latin typeface="Arial" panose="020B0604020202020204" pitchFamily="34" charset="0"/>
+                <a:cs typeface="Arial" panose="020B0604020202020204" pitchFamily="34" charset="0"/>
+              </a:rPr>
+              <a:t>Desenvolvimento de um sistema para reconhecimento de objetos utilizando visão computacional </a:t>
+            </a:r>
+            <a:endParaRPr lang="pt-BR" sz="3200" dirty="0">
+              <a:latin typeface="Arial" panose="020B0604020202020204" pitchFamily="34" charset="0"/>
+              <a:cs typeface="Arial" panose="020B0604020202020204" pitchFamily="34" charset="0"/>
+            </a:endParaRPr>
+          </a:p>
+        </p:txBody>
+      </p:sp>
+    </p:spTree>
+    <p:extLst>
+      <p:ext uri="{BB962C8B-B14F-4D97-AF65-F5344CB8AC3E}">
+        <p14:creationId xmlns:p14="http://schemas.microsoft.com/office/powerpoint/2010/main" val="1987731194"/>
       </p:ext>
     </p:extLst>
   </p:cSld>
@@ -8687,50 +9399,14 @@
             <a:pPr algn="ctr"/>
             <a:r>
               <a:rPr lang="pt-BR" dirty="0" smtClean="0"/>
-              <a:t>Investigar e apresentar uma técnica </a:t>
-            </a:r>
-            <a:r>
-              <a:rPr lang="pt-BR" dirty="0" smtClean="0"/>
-              <a:t>para </a:t>
-            </a:r>
-            <a:r>
-              <a:rPr lang="pt-BR" dirty="0" smtClean="0"/>
-              <a:t>reconhecimento de objetos, </a:t>
-            </a:r>
-            <a:r>
-              <a:rPr lang="pt-BR" dirty="0" smtClean="0"/>
-              <a:t>e </a:t>
-            </a:r>
-            <a:r>
-              <a:rPr lang="pt-BR" dirty="0" smtClean="0"/>
-              <a:t>como </a:t>
-            </a:r>
-            <a:r>
-              <a:rPr lang="pt-BR" dirty="0" smtClean="0"/>
-              <a:t>resultado deste processo</a:t>
+              <a:t>Investigar e apresentar uma técnica para reconhecimento de objetos, e como resultado deste processo</a:t>
             </a:r>
             <a:br>
               <a:rPr lang="pt-BR" dirty="0" smtClean="0"/>
             </a:br>
             <a:r>
               <a:rPr lang="pt-BR" dirty="0" smtClean="0"/>
-              <a:t> </a:t>
-            </a:r>
-            <a:r>
-              <a:rPr lang="pt-BR" dirty="0" smtClean="0"/>
-              <a:t>desenvolver um sistema </a:t>
-            </a:r>
-            <a:r>
-              <a:rPr lang="pt-BR" dirty="0" smtClean="0"/>
-              <a:t>para o mesmo fim</a:t>
-            </a:r>
-            <a:r>
-              <a:rPr lang="pt-BR" dirty="0" smtClean="0"/>
-              <a:t>, </a:t>
-            </a:r>
-            <a:r>
-              <a:rPr lang="pt-BR" dirty="0" smtClean="0"/>
-              <a:t>tendo em vista </a:t>
+              <a:t> desenvolver um sistema para o mesmo fim, tendo em vista </a:t>
             </a:r>
             <a:r>
               <a:rPr lang="pt-BR" dirty="0"/>
@@ -8738,15 +9414,7 @@
             </a:r>
             <a:r>
               <a:rPr lang="pt-BR" dirty="0" smtClean="0"/>
-              <a:t> </a:t>
-            </a:r>
-            <a:r>
-              <a:rPr lang="pt-BR" dirty="0" smtClean="0"/>
-              <a:t>grande número de </a:t>
-            </a:r>
-            <a:r>
-              <a:rPr lang="pt-BR" dirty="0" smtClean="0"/>
-              <a:t>aplicações</a:t>
+              <a:t> grande número de aplicações</a:t>
             </a:r>
             <a:br>
               <a:rPr lang="pt-BR" dirty="0" smtClean="0"/>
@@ -8755,7 +9423,6 @@
               <a:rPr lang="pt-BR" dirty="0" smtClean="0"/>
               <a:t>para este modelo de sistema.</a:t>
             </a:r>
-            <a:endParaRPr lang="pt-BR" dirty="0" smtClean="0"/>
           </a:p>
           <a:p>
             <a:pPr algn="ctr"/>
@@ -8978,49 +9645,21 @@
             </a:r>
             <a:r>
               <a:rPr lang="pt-BR" dirty="0" smtClean="0"/>
-              <a:t>uais oferecem melhores resultados para identificação de objetos em </a:t>
-            </a:r>
+              <a:t>uais oferecem melhores resultados para identificação de objetos em ambientes não controlados. </a:t>
+            </a:r>
+          </a:p>
+          <a:p>
+            <a:pPr algn="ctr"/>
             <a:r>
               <a:rPr lang="pt-BR" dirty="0" smtClean="0"/>
-              <a:t>ambientes </a:t>
-            </a:r>
-            <a:r>
-              <a:rPr lang="pt-BR" dirty="0" smtClean="0"/>
-              <a:t>não controlados. </a:t>
-            </a:r>
-          </a:p>
-          <a:p>
-            <a:pPr algn="ctr"/>
-            <a:r>
-              <a:rPr lang="pt-BR" dirty="0" smtClean="0"/>
-              <a:t>A partir desta investigação </a:t>
-            </a:r>
-            <a:r>
-              <a:rPr lang="pt-BR" dirty="0" smtClean="0"/>
-              <a:t>desenvolver um </a:t>
-            </a:r>
-            <a:r>
-              <a:rPr lang="pt-BR" dirty="0" smtClean="0"/>
-              <a:t>sistema </a:t>
-            </a:r>
-            <a:r>
-              <a:rPr lang="pt-BR" dirty="0" smtClean="0"/>
-              <a:t>aplicando </a:t>
+              <a:t>A partir desta investigação desenvolver um sistema aplicando </a:t>
             </a:r>
             <a:br>
               <a:rPr lang="pt-BR" dirty="0" smtClean="0"/>
             </a:br>
             <a:r>
               <a:rPr lang="pt-BR" dirty="0" smtClean="0"/>
-              <a:t>um método </a:t>
-            </a:r>
-            <a:r>
-              <a:rPr lang="pt-BR" dirty="0" smtClean="0"/>
-              <a:t>específico para execução do reconhecimento de </a:t>
-            </a:r>
-            <a:r>
-              <a:rPr lang="pt-BR" dirty="0" smtClean="0"/>
-              <a:t>objetos nesses ambientes adversos. </a:t>
+              <a:t>um método específico para execução do reconhecimento de objetos nesses ambientes adversos. </a:t>
             </a:r>
             <a:endParaRPr lang="pt-BR" dirty="0"/>
           </a:p>
@@ -9867,7 +10506,7 @@
         </p:blipFill>
         <p:spPr>
           <a:xfrm>
-            <a:off x="2365426" y="2951190"/>
+            <a:off x="621138" y="2916980"/>
             <a:ext cx="7168159" cy="3225166"/>
           </a:xfrm>
           <a:prstGeom prst="rect">
@@ -9875,6 +10514,43 @@
           </a:prstGeom>
         </p:spPr>
       </p:pic>
+      <p:sp>
+        <p:nvSpPr>
+          <p:cNvPr id="2" name="Retângulo 1"/>
+          <p:cNvSpPr/>
+          <p:nvPr/>
+        </p:nvSpPr>
+        <p:spPr>
+          <a:xfrm>
+            <a:off x="7920127" y="2916980"/>
+            <a:ext cx="4058513" cy="646331"/>
+          </a:xfrm>
+          <a:prstGeom prst="rect">
+            <a:avLst/>
+          </a:prstGeom>
+        </p:spPr>
+        <p:txBody>
+          <a:bodyPr wrap="square">
+            <a:spAutoFit/>
+          </a:bodyPr>
+          <a:lstStyle/>
+          <a:p>
+            <a:r>
+              <a:rPr lang="pt-BR" dirty="0" smtClean="0"/>
+              <a:t> - Subtração </a:t>
+            </a:r>
+            <a:r>
+              <a:rPr lang="pt-BR" dirty="0"/>
+              <a:t>de imagens borradas por um filtro Gaussiano </a:t>
+            </a:r>
+            <a:r>
+              <a:rPr lang="pt-BR" dirty="0" smtClean="0"/>
+              <a:t>em diferentes escalas</a:t>
+            </a:r>
+            <a:endParaRPr lang="pt-BR" dirty="0"/>
+          </a:p>
+        </p:txBody>
+      </p:sp>
     </p:spTree>
     <p:extLst>
       <p:ext uri="{BB962C8B-B14F-4D97-AF65-F5344CB8AC3E}">
